--- a/section6/챕터6 강의 PPT.pptx
+++ b/section6/챕터6 강의 PPT.pptx
@@ -10,31 +10,30 @@
     <p:sldId id="285" r:id="rId4"/>
     <p:sldId id="286" r:id="rId5"/>
     <p:sldId id="287" r:id="rId6"/>
-    <p:sldId id="288" r:id="rId7"/>
-    <p:sldId id="289" r:id="rId8"/>
+    <p:sldId id="289" r:id="rId7"/>
   </p:sldIdLst>
   <p:sldSz cx="12192000" cy="6858000"/>
   <p:notesSz cx="6858000" cy="9144000"/>
   <p:embeddedFontLst>
     <p:embeddedFont>
       <p:font typeface="Yoon 윤고딕 540_TT" panose="02090603020101020101" pitchFamily="18" charset="-127"/>
-      <p:regular r:id="rId9"/>
+      <p:regular r:id="rId8"/>
     </p:embeddedFont>
     <p:embeddedFont>
       <p:font typeface="맑은 고딕" panose="020B0503020000020004" pitchFamily="50" charset="-127"/>
-      <p:regular r:id="rId10"/>
-      <p:bold r:id="rId11"/>
+      <p:regular r:id="rId9"/>
+      <p:bold r:id="rId10"/>
     </p:embeddedFont>
     <p:embeddedFont>
       <p:font typeface="Calibri" panose="020F0502020204030204" pitchFamily="34" charset="0"/>
-      <p:regular r:id="rId12"/>
-      <p:bold r:id="rId13"/>
-      <p:italic r:id="rId14"/>
-      <p:boldItalic r:id="rId15"/>
+      <p:regular r:id="rId11"/>
+      <p:bold r:id="rId12"/>
+      <p:italic r:id="rId13"/>
+      <p:boldItalic r:id="rId14"/>
     </p:embeddedFont>
     <p:embeddedFont>
       <p:font typeface="Yoon 윤고딕 530_TT" panose="02090603020101020101" pitchFamily="18" charset="-127"/>
-      <p:regular r:id="rId16"/>
+      <p:regular r:id="rId15"/>
     </p:embeddedFont>
   </p:embeddedFontLst>
   <p:defaultTextStyle>
@@ -2603,7 +2602,7 @@
                 </a:solidFill>
                 <a:latin typeface="+mj-ea"/>
               </a:rPr>
-              <a:t>https://editor.freelogodesign.org/?lang=EN</a:t>
+              <a:t>https://www.freelogodesign.org/index.html</a:t>
             </a:r>
           </a:p>
           <a:p>
@@ -3966,599 +3965,6 @@
 </file>
 
 <file path=ppt/slides/slide6.xml><?xml version="1.0" encoding="utf-8"?>
-<p:sld xmlns:a="http://schemas.openxmlformats.org/drawingml/2006/main" xmlns:r="http://schemas.openxmlformats.org/officeDocument/2006/relationships" xmlns:p="http://schemas.openxmlformats.org/presentationml/2006/main">
-  <p:cSld>
-    <p:spTree>
-      <p:nvGrpSpPr>
-        <p:cNvPr id="1" name=""/>
-        <p:cNvGrpSpPr/>
-        <p:nvPr/>
-      </p:nvGrpSpPr>
-      <p:grpSpPr>
-        <a:xfrm>
-          <a:off x="0" y="0"/>
-          <a:ext cx="0" cy="0"/>
-          <a:chOff x="0" y="0"/>
-          <a:chExt cx="0" cy="0"/>
-        </a:xfrm>
-      </p:grpSpPr>
-      <p:sp>
-        <p:nvSpPr>
-          <p:cNvPr id="9" name="직사각형 8"/>
-          <p:cNvSpPr/>
-          <p:nvPr/>
-        </p:nvSpPr>
-        <p:spPr>
-          <a:xfrm>
-            <a:off x="11022294" y="0"/>
-            <a:ext cx="1166428" cy="260648"/>
-          </a:xfrm>
-          <a:prstGeom prst="rect">
-            <a:avLst/>
-          </a:prstGeom>
-        </p:spPr>
-        <p:style>
-          <a:lnRef idx="1">
-            <a:schemeClr val="accent6"/>
-          </a:lnRef>
-          <a:fillRef idx="3">
-            <a:schemeClr val="accent6"/>
-          </a:fillRef>
-          <a:effectRef idx="2">
-            <a:schemeClr val="accent6"/>
-          </a:effectRef>
-          <a:fontRef idx="minor">
-            <a:schemeClr val="lt1"/>
-          </a:fontRef>
-        </p:style>
-        <p:txBody>
-          <a:bodyPr rtlCol="0" anchor="ctr"/>
-          <a:lstStyle/>
-          <a:p>
-            <a:pPr algn="ctr"/>
-            <a:r>
-              <a:rPr lang="ko-KR" altLang="en-US" sz="1000" dirty="0" smtClean="0"/>
-              <a:t>동영상 </a:t>
-            </a:r>
-            <a:r>
-              <a:rPr lang="ko-KR" altLang="en-US" sz="1000" smtClean="0"/>
-              <a:t>강의 </a:t>
-            </a:r>
-            <a:r>
-              <a:rPr lang="en-US" altLang="ko-KR" sz="1000" smtClean="0"/>
-              <a:t>6-5</a:t>
-            </a:r>
-            <a:endParaRPr lang="ko-KR" altLang="en-US" sz="1000" dirty="0"/>
-          </a:p>
-        </p:txBody>
-      </p:sp>
-      <p:sp>
-        <p:nvSpPr>
-          <p:cNvPr id="12" name="TextBox 11"/>
-          <p:cNvSpPr txBox="1"/>
-          <p:nvPr/>
-        </p:nvSpPr>
-        <p:spPr>
-          <a:xfrm>
-            <a:off x="2711624" y="548680"/>
-            <a:ext cx="8640960" cy="1169551"/>
-          </a:xfrm>
-          <a:prstGeom prst="rect">
-            <a:avLst/>
-          </a:prstGeom>
-          <a:noFill/>
-        </p:spPr>
-        <p:txBody>
-          <a:bodyPr wrap="square" tIns="0" bIns="0" rtlCol="0">
-            <a:spAutoFit/>
-          </a:bodyPr>
-          <a:lstStyle/>
-          <a:p>
-            <a:r>
-              <a:rPr lang="en-US" altLang="ko-KR" sz="2800" smtClean="0">
-                <a:ln>
-                  <a:solidFill>
-                    <a:schemeClr val="accent1">
-                      <a:alpha val="0"/>
-                    </a:schemeClr>
-                  </a:solidFill>
-                </a:ln>
-                <a:solidFill>
-                  <a:schemeClr val="accent2"/>
-                </a:solidFill>
-                <a:latin typeface="Yoon 윤고딕 530_TT" panose="02090603020101020101" pitchFamily="18" charset="-127"/>
-                <a:ea typeface="Yoon 윤고딕 530_TT" panose="02090603020101020101" pitchFamily="18" charset="-127"/>
-              </a:rPr>
-              <a:t>GUI </a:t>
-            </a:r>
-            <a:r>
-              <a:rPr lang="ko-KR" altLang="en-US" sz="2800">
-                <a:ln>
-                  <a:solidFill>
-                    <a:schemeClr val="accent1">
-                      <a:alpha val="0"/>
-                    </a:schemeClr>
-                  </a:solidFill>
-                </a:ln>
-                <a:solidFill>
-                  <a:schemeClr val="accent2"/>
-                </a:solidFill>
-                <a:latin typeface="Yoon 윤고딕 530_TT" panose="02090603020101020101" pitchFamily="18" charset="-127"/>
-                <a:ea typeface="Yoon 윤고딕 530_TT" panose="02090603020101020101" pitchFamily="18" charset="-127"/>
-              </a:rPr>
-              <a:t>기반 </a:t>
-            </a:r>
-            <a:r>
-              <a:rPr lang="en-US" altLang="ko-KR" sz="2800">
-                <a:ln>
-                  <a:solidFill>
-                    <a:schemeClr val="accent1">
-                      <a:alpha val="0"/>
-                    </a:schemeClr>
-                  </a:solidFill>
-                </a:ln>
-                <a:solidFill>
-                  <a:schemeClr val="accent2"/>
-                </a:solidFill>
-                <a:latin typeface="Yoon 윤고딕 530_TT" panose="02090603020101020101" pitchFamily="18" charset="-127"/>
-                <a:ea typeface="Yoon 윤고딕 530_TT" panose="02090603020101020101" pitchFamily="18" charset="-127"/>
-              </a:rPr>
-              <a:t>Youtube </a:t>
-            </a:r>
-            <a:r>
-              <a:rPr lang="ko-KR" altLang="en-US" sz="2800">
-                <a:ln>
-                  <a:solidFill>
-                    <a:schemeClr val="accent1">
-                      <a:alpha val="0"/>
-                    </a:schemeClr>
-                  </a:solidFill>
-                </a:ln>
-                <a:solidFill>
-                  <a:schemeClr val="accent2"/>
-                </a:solidFill>
-                <a:latin typeface="Yoon 윤고딕 530_TT" panose="02090603020101020101" pitchFamily="18" charset="-127"/>
-                <a:ea typeface="Yoon 윤고딕 530_TT" panose="02090603020101020101" pitchFamily="18" charset="-127"/>
-              </a:rPr>
-              <a:t>멀티플레이어 작성</a:t>
-            </a:r>
-            <a:r>
-              <a:rPr lang="en-US" altLang="ko-KR" sz="2800" smtClean="0">
-                <a:ln>
-                  <a:solidFill>
-                    <a:schemeClr val="accent1">
-                      <a:alpha val="0"/>
-                    </a:schemeClr>
-                  </a:solidFill>
-                </a:ln>
-                <a:solidFill>
-                  <a:schemeClr val="accent2"/>
-                </a:solidFill>
-                <a:latin typeface="Yoon 윤고딕 530_TT" panose="02090603020101020101" pitchFamily="18" charset="-127"/>
-                <a:ea typeface="Yoon 윤고딕 530_TT" panose="02090603020101020101" pitchFamily="18" charset="-127"/>
-              </a:rPr>
-              <a:t>(5)</a:t>
-            </a:r>
-          </a:p>
-          <a:p>
-            <a:endParaRPr lang="en-US" altLang="ko-KR" sz="2400" spc="-150" dirty="0" smtClean="0">
-              <a:ln>
-                <a:solidFill>
-                  <a:schemeClr val="accent1">
-                    <a:alpha val="0"/>
-                  </a:schemeClr>
-                </a:solidFill>
-              </a:ln>
-              <a:solidFill>
-                <a:schemeClr val="accent2"/>
-              </a:solidFill>
-              <a:latin typeface="Yoon 윤고딕 530_TT" panose="02090603020101020101" pitchFamily="18" charset="-127"/>
-              <a:ea typeface="Yoon 윤고딕 530_TT" panose="02090603020101020101" pitchFamily="18" charset="-127"/>
-            </a:endParaRPr>
-          </a:p>
-          <a:p>
-            <a:r>
-              <a:rPr lang="ko-KR" altLang="en-US" sz="2400" spc="-150" dirty="0" smtClean="0">
-                <a:ln>
-                  <a:solidFill>
-                    <a:schemeClr val="accent1">
-                      <a:alpha val="0"/>
-                    </a:schemeClr>
-                  </a:solidFill>
-                </a:ln>
-                <a:solidFill>
-                  <a:srgbClr val="C00000"/>
-                </a:solidFill>
-                <a:latin typeface="Yoon 윤고딕 530_TT" panose="02090603020101020101" pitchFamily="18" charset="-127"/>
-                <a:ea typeface="Yoon 윤고딕 530_TT" panose="02090603020101020101" pitchFamily="18" charset="-127"/>
-              </a:rPr>
-              <a:t>오늘 </a:t>
-            </a:r>
-            <a:r>
-              <a:rPr lang="ko-KR" altLang="en-US" sz="2400" spc="-150" smtClean="0">
-                <a:ln>
-                  <a:solidFill>
-                    <a:schemeClr val="accent1">
-                      <a:alpha val="0"/>
-                    </a:schemeClr>
-                  </a:solidFill>
-                </a:ln>
-                <a:solidFill>
-                  <a:srgbClr val="C00000"/>
-                </a:solidFill>
-                <a:latin typeface="Yoon 윤고딕 530_TT" panose="02090603020101020101" pitchFamily="18" charset="-127"/>
-                <a:ea typeface="Yoon 윤고딕 530_TT" panose="02090603020101020101" pitchFamily="18" charset="-127"/>
-              </a:rPr>
-              <a:t>내용 정리</a:t>
-            </a:r>
-            <a:endParaRPr lang="ko-KR" altLang="en-US" sz="2400" dirty="0">
-              <a:ln>
-                <a:solidFill>
-                  <a:schemeClr val="accent1">
-                    <a:alpha val="0"/>
-                  </a:schemeClr>
-                </a:solidFill>
-              </a:ln>
-              <a:solidFill>
-                <a:srgbClr val="C00000"/>
-              </a:solidFill>
-              <a:latin typeface="Yoon 윤고딕 530_TT" panose="02090603020101020101" pitchFamily="18" charset="-127"/>
-              <a:ea typeface="Yoon 윤고딕 530_TT" panose="02090603020101020101" pitchFamily="18" charset="-127"/>
-            </a:endParaRPr>
-          </a:p>
-        </p:txBody>
-      </p:sp>
-      <p:sp>
-        <p:nvSpPr>
-          <p:cNvPr id="6" name="TextBox 5"/>
-          <p:cNvSpPr txBox="1"/>
-          <p:nvPr/>
-        </p:nvSpPr>
-        <p:spPr>
-          <a:xfrm>
-            <a:off x="2711624" y="1844824"/>
-            <a:ext cx="8712968" cy="3508653"/>
-          </a:xfrm>
-          <a:prstGeom prst="rect">
-            <a:avLst/>
-          </a:prstGeom>
-          <a:noFill/>
-        </p:spPr>
-        <p:txBody>
-          <a:bodyPr wrap="square" rtlCol="0">
-            <a:spAutoFit/>
-          </a:bodyPr>
-          <a:lstStyle/>
-          <a:p>
-            <a:pPr>
-              <a:lnSpc>
-                <a:spcPct val="150000"/>
-              </a:lnSpc>
-            </a:pPr>
-            <a:endParaRPr lang="en-US" altLang="ko-KR" sz="2000" smtClean="0">
-              <a:solidFill>
-                <a:schemeClr val="accent3">
-                  <a:lumMod val="50000"/>
-                </a:schemeClr>
-              </a:solidFill>
-              <a:latin typeface="+mj-ea"/>
-              <a:ea typeface="+mj-ea"/>
-            </a:endParaRPr>
-          </a:p>
-          <a:p>
-            <a:pPr>
-              <a:lnSpc>
-                <a:spcPct val="150000"/>
-              </a:lnSpc>
-            </a:pPr>
-            <a:r>
-              <a:rPr lang="ko-KR" altLang="en-US" sz="2000" smtClean="0">
-                <a:solidFill>
-                  <a:schemeClr val="accent3">
-                    <a:lumMod val="50000"/>
-                  </a:schemeClr>
-                </a:solidFill>
-                <a:latin typeface="+mj-ea"/>
-              </a:rPr>
-              <a:t>실전</a:t>
-            </a:r>
-            <a:r>
-              <a:rPr lang="en-US" altLang="ko-KR" sz="2000">
-                <a:solidFill>
-                  <a:schemeClr val="accent3">
-                    <a:lumMod val="50000"/>
-                  </a:schemeClr>
-                </a:solidFill>
-                <a:latin typeface="+mj-ea"/>
-              </a:rPr>
-              <a:t>! </a:t>
-            </a:r>
-            <a:r>
-              <a:rPr lang="ko-KR" altLang="en-US" sz="2000">
-                <a:solidFill>
-                  <a:schemeClr val="accent3">
-                    <a:lumMod val="50000"/>
-                  </a:schemeClr>
-                </a:solidFill>
-                <a:latin typeface="+mj-ea"/>
-              </a:rPr>
-              <a:t>어플리케이션 작성</a:t>
-            </a:r>
-            <a:r>
-              <a:rPr lang="en-US" altLang="ko-KR" sz="2000" smtClean="0">
-                <a:solidFill>
-                  <a:schemeClr val="accent3">
-                    <a:lumMod val="50000"/>
-                  </a:schemeClr>
-                </a:solidFill>
-                <a:latin typeface="+mj-ea"/>
-              </a:rPr>
-              <a:t>(4)</a:t>
-            </a:r>
-            <a:r>
-              <a:rPr lang="ko-KR" altLang="en-US" sz="2000" smtClean="0">
-                <a:solidFill>
-                  <a:schemeClr val="accent3">
-                    <a:lumMod val="50000"/>
-                  </a:schemeClr>
-                </a:solidFill>
-                <a:latin typeface="+mj-ea"/>
-              </a:rPr>
-              <a:t> </a:t>
-            </a:r>
-            <a:r>
-              <a:rPr lang="en-US" altLang="ko-KR" sz="2000">
-                <a:solidFill>
-                  <a:schemeClr val="accent3">
-                    <a:lumMod val="50000"/>
-                  </a:schemeClr>
-                </a:solidFill>
-                <a:latin typeface="+mj-ea"/>
-              </a:rPr>
-              <a:t>: Youtube </a:t>
-            </a:r>
-            <a:r>
-              <a:rPr lang="ko-KR" altLang="en-US" sz="2000" smtClean="0">
-                <a:solidFill>
-                  <a:schemeClr val="accent3">
-                    <a:lumMod val="50000"/>
-                  </a:schemeClr>
-                </a:solidFill>
-                <a:latin typeface="+mj-ea"/>
-              </a:rPr>
-              <a:t>멀티플레이어 완료 </a:t>
-            </a:r>
-            <a:r>
-              <a:rPr lang="en-US" altLang="ko-KR" sz="2000" smtClean="0">
-                <a:solidFill>
-                  <a:schemeClr val="accent3">
-                    <a:lumMod val="50000"/>
-                  </a:schemeClr>
-                </a:solidFill>
-                <a:latin typeface="+mj-ea"/>
-              </a:rPr>
-              <a:t>&amp;</a:t>
-            </a:r>
-            <a:r>
-              <a:rPr lang="ko-KR" altLang="en-US" sz="2000" smtClean="0">
-                <a:solidFill>
-                  <a:schemeClr val="accent3">
-                    <a:lumMod val="50000"/>
-                  </a:schemeClr>
-                </a:solidFill>
-                <a:latin typeface="+mj-ea"/>
-              </a:rPr>
-              <a:t> 테스트</a:t>
-            </a:r>
-            <a:endParaRPr lang="en-US" altLang="ko-KR" sz="2000" smtClean="0">
-              <a:solidFill>
-                <a:schemeClr val="accent3">
-                  <a:lumMod val="50000"/>
-                </a:schemeClr>
-              </a:solidFill>
-              <a:latin typeface="+mj-ea"/>
-            </a:endParaRPr>
-          </a:p>
-          <a:p>
-            <a:pPr>
-              <a:lnSpc>
-                <a:spcPct val="150000"/>
-              </a:lnSpc>
-            </a:pPr>
-            <a:endParaRPr lang="en-US" altLang="ko-KR" sz="2000" smtClean="0">
-              <a:solidFill>
-                <a:schemeClr val="accent3">
-                  <a:lumMod val="50000"/>
-                </a:schemeClr>
-              </a:solidFill>
-              <a:latin typeface="+mj-ea"/>
-            </a:endParaRPr>
-          </a:p>
-          <a:p>
-            <a:pPr>
-              <a:lnSpc>
-                <a:spcPct val="150000"/>
-              </a:lnSpc>
-            </a:pPr>
-            <a:r>
-              <a:rPr lang="en-US" altLang="ko-KR" sz="2000" smtClean="0">
-                <a:solidFill>
-                  <a:schemeClr val="accent3">
-                    <a:lumMod val="50000"/>
-                  </a:schemeClr>
-                </a:solidFill>
-                <a:latin typeface="+mj-ea"/>
-              </a:rPr>
-              <a:t>PyQT5 </a:t>
-            </a:r>
-            <a:r>
-              <a:rPr lang="en-US" altLang="ko-KR" sz="2000">
-                <a:solidFill>
-                  <a:schemeClr val="accent3">
-                    <a:lumMod val="50000"/>
-                  </a:schemeClr>
-                </a:solidFill>
-                <a:latin typeface="+mj-ea"/>
-              </a:rPr>
-              <a:t>: </a:t>
-            </a:r>
-            <a:r>
-              <a:rPr lang="en-US" altLang="ko-KR" sz="2000">
-                <a:solidFill>
-                  <a:schemeClr val="accent3">
-                    <a:lumMod val="50000"/>
-                  </a:schemeClr>
-                </a:solidFill>
-                <a:latin typeface="+mj-ea"/>
-                <a:hlinkClick r:id="rId2"/>
-              </a:rPr>
-              <a:t>http://pyqt.sourceforge.net/Docs/PyQt5</a:t>
-            </a:r>
-            <a:r>
-              <a:rPr lang="en-US" altLang="ko-KR" sz="2000" smtClean="0">
-                <a:solidFill>
-                  <a:schemeClr val="accent3">
-                    <a:lumMod val="50000"/>
-                  </a:schemeClr>
-                </a:solidFill>
-                <a:latin typeface="+mj-ea"/>
-                <a:hlinkClick r:id="rId2"/>
-              </a:rPr>
-              <a:t>/</a:t>
-            </a:r>
-            <a:endParaRPr lang="en-US" altLang="ko-KR" sz="2000" smtClean="0">
-              <a:solidFill>
-                <a:schemeClr val="accent3">
-                  <a:lumMod val="50000"/>
-                </a:schemeClr>
-              </a:solidFill>
-              <a:latin typeface="+mj-ea"/>
-            </a:endParaRPr>
-          </a:p>
-          <a:p>
-            <a:pPr>
-              <a:lnSpc>
-                <a:spcPct val="150000"/>
-              </a:lnSpc>
-            </a:pPr>
-            <a:r>
-              <a:rPr lang="en-US" altLang="ko-KR" sz="2000">
-                <a:solidFill>
-                  <a:schemeClr val="accent3">
-                    <a:lumMod val="50000"/>
-                  </a:schemeClr>
-                </a:solidFill>
-                <a:latin typeface="+mj-ea"/>
-              </a:rPr>
-              <a:t>Qt Designer : http://doc.qt.io/qt-5/qtdesigner-manual.html</a:t>
-            </a:r>
-          </a:p>
-          <a:p>
-            <a:pPr>
-              <a:lnSpc>
-                <a:spcPct val="150000"/>
-              </a:lnSpc>
-            </a:pPr>
-            <a:r>
-              <a:rPr lang="ko-KR" altLang="en-US" sz="2000" smtClean="0">
-                <a:solidFill>
-                  <a:schemeClr val="accent3">
-                    <a:lumMod val="50000"/>
-                  </a:schemeClr>
-                </a:solidFill>
-                <a:latin typeface="+mj-ea"/>
-              </a:rPr>
-              <a:t>수업 </a:t>
-            </a:r>
-            <a:r>
-              <a:rPr lang="ko-KR" altLang="en-US" sz="2000">
-                <a:solidFill>
-                  <a:schemeClr val="accent3">
-                    <a:lumMod val="50000"/>
-                  </a:schemeClr>
-                </a:solidFill>
-                <a:latin typeface="+mj-ea"/>
-              </a:rPr>
-              <a:t>소스 파일 </a:t>
-            </a:r>
-            <a:r>
-              <a:rPr lang="en-US" altLang="ko-KR" sz="2000">
-                <a:solidFill>
-                  <a:schemeClr val="accent3">
-                    <a:lumMod val="50000"/>
-                  </a:schemeClr>
-                </a:solidFill>
-                <a:latin typeface="+mj-ea"/>
-              </a:rPr>
-              <a:t>: https://</a:t>
-            </a:r>
-            <a:r>
-              <a:rPr lang="en-US" altLang="ko-KR" sz="2000" smtClean="0">
-                <a:solidFill>
-                  <a:schemeClr val="accent3">
-                    <a:lumMod val="50000"/>
-                  </a:schemeClr>
-                </a:solidFill>
-                <a:latin typeface="+mj-ea"/>
-              </a:rPr>
-              <a:t>github.com/eunki7/python_create_app_1</a:t>
-            </a:r>
-            <a:r>
-              <a:rPr lang="en-US" altLang="ko-KR" sz="2000" smtClean="0">
-                <a:solidFill>
-                  <a:schemeClr val="accent3">
-                    <a:lumMod val="50000"/>
-                  </a:schemeClr>
-                </a:solidFill>
-                <a:latin typeface="+mj-ea"/>
-                <a:ea typeface="+mj-ea"/>
-              </a:rPr>
-              <a:t/>
-            </a:r>
-            <a:br>
-              <a:rPr lang="en-US" altLang="ko-KR" sz="2000" smtClean="0">
-                <a:solidFill>
-                  <a:schemeClr val="accent3">
-                    <a:lumMod val="50000"/>
-                  </a:schemeClr>
-                </a:solidFill>
-                <a:latin typeface="+mj-ea"/>
-                <a:ea typeface="+mj-ea"/>
-              </a:rPr>
-            </a:br>
-            <a:endParaRPr lang="en-US" altLang="ko-KR" sz="2800" dirty="0" smtClean="0">
-              <a:solidFill>
-                <a:schemeClr val="accent3">
-                  <a:lumMod val="50000"/>
-                </a:schemeClr>
-              </a:solidFill>
-              <a:latin typeface="+mj-ea"/>
-              <a:ea typeface="+mj-ea"/>
-            </a:endParaRPr>
-          </a:p>
-        </p:txBody>
-      </p:sp>
-    </p:spTree>
-    <p:extLst>
-      <p:ext uri="{BB962C8B-B14F-4D97-AF65-F5344CB8AC3E}">
-        <p14:creationId xmlns:p14="http://schemas.microsoft.com/office/powerpoint/2010/main" val="1332738795"/>
-      </p:ext>
-    </p:extLst>
-  </p:cSld>
-  <p:clrMapOvr>
-    <a:masterClrMapping/>
-  </p:clrMapOvr>
-  <p:timing>
-    <p:tnLst>
-      <p:par>
-        <p:cTn id="1" dur="indefinite" restart="never" nodeType="tmRoot"/>
-      </p:par>
-    </p:tnLst>
-  </p:timing>
-</p:sld>
-</file>
-
-<file path=ppt/slides/slide7.xml><?xml version="1.0" encoding="utf-8"?>
 <p:sld xmlns:a="http://schemas.openxmlformats.org/drawingml/2006/main" xmlns:r="http://schemas.openxmlformats.org/officeDocument/2006/relationships" xmlns:p="http://schemas.openxmlformats.org/presentationml/2006/main">
   <p:cSld>
     <p:spTree>

--- a/section6/챕터6 강의 PPT.pptx
+++ b/section6/챕터6 강의 PPT.pptx
@@ -16,23 +16,23 @@
   <p:notesSz cx="6858000" cy="9144000"/>
   <p:embeddedFontLst>
     <p:embeddedFont>
-      <p:font typeface="Yoon 윤고딕 540_TT" panose="02090603020101020101" pitchFamily="18" charset="-127"/>
+      <p:font typeface="맑은 고딕" panose="020B0503020000020004" pitchFamily="50" charset="-127"/>
       <p:regular r:id="rId8"/>
-    </p:embeddedFont>
-    <p:embeddedFont>
-      <p:font typeface="맑은 고딕" panose="020B0503020000020004" pitchFamily="50" charset="-127"/>
-      <p:regular r:id="rId9"/>
-      <p:bold r:id="rId10"/>
+      <p:bold r:id="rId9"/>
     </p:embeddedFont>
     <p:embeddedFont>
       <p:font typeface="Calibri" panose="020F0502020204030204" pitchFamily="34" charset="0"/>
-      <p:regular r:id="rId11"/>
-      <p:bold r:id="rId12"/>
-      <p:italic r:id="rId13"/>
-      <p:boldItalic r:id="rId14"/>
+      <p:regular r:id="rId10"/>
+      <p:bold r:id="rId11"/>
+      <p:italic r:id="rId12"/>
+      <p:boldItalic r:id="rId13"/>
     </p:embeddedFont>
     <p:embeddedFont>
       <p:font typeface="Yoon 윤고딕 530_TT" panose="02090603020101020101" pitchFamily="18" charset="-127"/>
+      <p:regular r:id="rId14"/>
+    </p:embeddedFont>
+    <p:embeddedFont>
+      <p:font typeface="Yoon 윤고딕 540_TT" panose="02090603020101020101" pitchFamily="18" charset="-127"/>
       <p:regular r:id="rId15"/>
     </p:embeddedFont>
   </p:embeddedFontLst>
@@ -4162,7 +4162,7 @@
         <p:spPr>
           <a:xfrm>
             <a:off x="2711624" y="1844824"/>
-            <a:ext cx="8712968" cy="3508653"/>
+            <a:ext cx="8712968" cy="3970318"/>
           </a:xfrm>
           <a:prstGeom prst="rect">
             <a:avLst/>
@@ -4206,6 +4206,76 @@
                 <a:latin typeface="+mj-ea"/>
               </a:rPr>
               <a:t>요약 정리 및 추가 학습 방법 설명</a:t>
+            </a:r>
+            <a:endParaRPr lang="en-US" altLang="ko-KR" sz="2000" smtClean="0">
+              <a:solidFill>
+                <a:schemeClr val="accent3">
+                  <a:lumMod val="50000"/>
+                </a:schemeClr>
+              </a:solidFill>
+              <a:latin typeface="+mj-ea"/>
+            </a:endParaRPr>
+          </a:p>
+          <a:p>
+            <a:pPr>
+              <a:lnSpc>
+                <a:spcPct val="150000"/>
+              </a:lnSpc>
+            </a:pPr>
+            <a:r>
+              <a:rPr lang="ko-KR" altLang="en-US" sz="2000" smtClean="0">
+                <a:solidFill>
+                  <a:schemeClr val="accent3">
+                    <a:lumMod val="50000"/>
+                  </a:schemeClr>
+                </a:solidFill>
+                <a:latin typeface="+mj-ea"/>
+              </a:rPr>
+              <a:t>부록 </a:t>
+            </a:r>
+            <a:r>
+              <a:rPr lang="en-US" altLang="ko-KR" sz="2000" smtClean="0">
+                <a:solidFill>
+                  <a:schemeClr val="accent3">
+                    <a:lumMod val="50000"/>
+                  </a:schemeClr>
+                </a:solidFill>
+                <a:latin typeface="+mj-ea"/>
+              </a:rPr>
+              <a:t>: </a:t>
+            </a:r>
+            <a:r>
+              <a:rPr lang="ko-KR" altLang="en-US" sz="2000" smtClean="0">
+                <a:solidFill>
+                  <a:schemeClr val="accent3">
+                    <a:lumMod val="50000"/>
+                  </a:schemeClr>
+                </a:solidFill>
+                <a:latin typeface="+mj-ea"/>
+              </a:rPr>
+              <a:t>네이버 </a:t>
+            </a:r>
+            <a:r>
+              <a:rPr lang="ko-KR" altLang="en-US" sz="2000" smtClean="0">
+                <a:solidFill>
+                  <a:schemeClr val="accent3">
+                    <a:lumMod val="50000"/>
+                  </a:schemeClr>
+                </a:solidFill>
+                <a:latin typeface="+mj-ea"/>
+              </a:rPr>
+              <a:t>연관 검색어 추출기 소스 </a:t>
+            </a:r>
+            <a:r>
+              <a:rPr lang="ko-KR" altLang="en-US" sz="2000" smtClean="0">
+                <a:solidFill>
+                  <a:schemeClr val="accent3">
+                    <a:lumMod val="50000"/>
+                  </a:schemeClr>
+                </a:solidFill>
+                <a:latin typeface="+mj-ea"/>
+              </a:rPr>
+              <a:t>코드</a:t>
             </a:r>
             <a:endParaRPr lang="en-US" altLang="ko-KR" sz="2000">
               <a:solidFill>

--- a/section6/챕터6 강의 PPT.pptx
+++ b/section6/챕터6 강의 PPT.pptx
@@ -11,29 +11,33 @@
     <p:sldId id="286" r:id="rId5"/>
     <p:sldId id="287" r:id="rId6"/>
     <p:sldId id="289" r:id="rId7"/>
+    <p:sldId id="290" r:id="rId8"/>
+    <p:sldId id="291" r:id="rId9"/>
+    <p:sldId id="292" r:id="rId10"/>
+    <p:sldId id="293" r:id="rId11"/>
   </p:sldIdLst>
   <p:sldSz cx="12192000" cy="6858000"/>
   <p:notesSz cx="6858000" cy="9144000"/>
   <p:embeddedFontLst>
     <p:embeddedFont>
+      <p:font typeface="Yoon 윤고딕 540_TT" panose="02090603020101020101" pitchFamily="18" charset="-127"/>
+      <p:regular r:id="rId12"/>
+    </p:embeddedFont>
+    <p:embeddedFont>
       <p:font typeface="맑은 고딕" panose="020B0503020000020004" pitchFamily="50" charset="-127"/>
-      <p:regular r:id="rId8"/>
-      <p:bold r:id="rId9"/>
+      <p:regular r:id="rId13"/>
+      <p:bold r:id="rId14"/>
     </p:embeddedFont>
     <p:embeddedFont>
       <p:font typeface="Calibri" panose="020F0502020204030204" pitchFamily="34" charset="0"/>
-      <p:regular r:id="rId10"/>
-      <p:bold r:id="rId11"/>
-      <p:italic r:id="rId12"/>
-      <p:boldItalic r:id="rId13"/>
+      <p:regular r:id="rId15"/>
+      <p:bold r:id="rId16"/>
+      <p:italic r:id="rId17"/>
+      <p:boldItalic r:id="rId18"/>
     </p:embeddedFont>
     <p:embeddedFont>
       <p:font typeface="Yoon 윤고딕 530_TT" panose="02090603020101020101" pitchFamily="18" charset="-127"/>
-      <p:regular r:id="rId14"/>
-    </p:embeddedFont>
-    <p:embeddedFont>
-      <p:font typeface="Yoon 윤고딕 540_TT" panose="02090603020101020101" pitchFamily="18" charset="-127"/>
-      <p:regular r:id="rId15"/>
+      <p:regular r:id="rId19"/>
     </p:embeddedFont>
   </p:embeddedFontLst>
   <p:defaultTextStyle>
@@ -1312,6 +1316,212 @@
 </p:sld>
 </file>
 
+<file path=ppt/slides/slide10.xml><?xml version="1.0" encoding="utf-8"?>
+<p:sld xmlns:a="http://schemas.openxmlformats.org/drawingml/2006/main" xmlns:r="http://schemas.openxmlformats.org/officeDocument/2006/relationships" xmlns:p="http://schemas.openxmlformats.org/presentationml/2006/main">
+  <p:cSld>
+    <p:spTree>
+      <p:nvGrpSpPr>
+        <p:cNvPr id="1" name=""/>
+        <p:cNvGrpSpPr/>
+        <p:nvPr/>
+      </p:nvGrpSpPr>
+      <p:grpSpPr>
+        <a:xfrm>
+          <a:off x="0" y="0"/>
+          <a:ext cx="0" cy="0"/>
+          <a:chOff x="0" y="0"/>
+          <a:chExt cx="0" cy="0"/>
+        </a:xfrm>
+      </p:grpSpPr>
+      <p:sp>
+        <p:nvSpPr>
+          <p:cNvPr id="9" name="직사각형 8"/>
+          <p:cNvSpPr/>
+          <p:nvPr/>
+        </p:nvSpPr>
+        <p:spPr>
+          <a:xfrm>
+            <a:off x="11022294" y="0"/>
+            <a:ext cx="1166428" cy="260648"/>
+          </a:xfrm>
+          <a:prstGeom prst="rect">
+            <a:avLst/>
+          </a:prstGeom>
+        </p:spPr>
+        <p:style>
+          <a:lnRef idx="1">
+            <a:schemeClr val="accent6"/>
+          </a:lnRef>
+          <a:fillRef idx="3">
+            <a:schemeClr val="accent6"/>
+          </a:fillRef>
+          <a:effectRef idx="2">
+            <a:schemeClr val="accent6"/>
+          </a:effectRef>
+          <a:fontRef idx="minor">
+            <a:schemeClr val="lt1"/>
+          </a:fontRef>
+        </p:style>
+        <p:txBody>
+          <a:bodyPr rtlCol="0" anchor="ctr"/>
+          <a:lstStyle/>
+          <a:p>
+            <a:pPr algn="ctr"/>
+            <a:r>
+              <a:rPr lang="ko-KR" altLang="en-US" sz="1000" dirty="0" smtClean="0"/>
+              <a:t>동영상 </a:t>
+            </a:r>
+            <a:r>
+              <a:rPr lang="ko-KR" altLang="en-US" sz="1000" smtClean="0"/>
+              <a:t>강의 </a:t>
+            </a:r>
+            <a:r>
+              <a:rPr lang="en-US" altLang="ko-KR" sz="1000" smtClean="0"/>
+              <a:t>6-5</a:t>
+            </a:r>
+            <a:endParaRPr lang="ko-KR" altLang="en-US" sz="1000" dirty="0"/>
+          </a:p>
+        </p:txBody>
+      </p:sp>
+      <p:sp>
+        <p:nvSpPr>
+          <p:cNvPr id="12" name="TextBox 11"/>
+          <p:cNvSpPr txBox="1"/>
+          <p:nvPr/>
+        </p:nvSpPr>
+        <p:spPr>
+          <a:xfrm>
+            <a:off x="2711624" y="720569"/>
+            <a:ext cx="8640960" cy="800219"/>
+          </a:xfrm>
+          <a:prstGeom prst="rect">
+            <a:avLst/>
+          </a:prstGeom>
+          <a:noFill/>
+        </p:spPr>
+        <p:txBody>
+          <a:bodyPr wrap="square" tIns="0" bIns="0" rtlCol="0">
+            <a:spAutoFit/>
+          </a:bodyPr>
+          <a:lstStyle/>
+          <a:p>
+            <a:r>
+              <a:rPr lang="ko-KR" altLang="en-US" sz="2800" smtClean="0">
+                <a:ln>
+                  <a:solidFill>
+                    <a:schemeClr val="accent1">
+                      <a:alpha val="0"/>
+                    </a:schemeClr>
+                  </a:solidFill>
+                </a:ln>
+                <a:solidFill>
+                  <a:schemeClr val="accent2"/>
+                </a:solidFill>
+                <a:latin typeface="Yoon 윤고딕 530_TT" panose="02090603020101020101" pitchFamily="18" charset="-127"/>
+                <a:ea typeface="Yoon 윤고딕 530_TT" panose="02090603020101020101" pitchFamily="18" charset="-127"/>
+              </a:rPr>
+              <a:t>추천 학습 내용</a:t>
+            </a:r>
+            <a:r>
+              <a:rPr lang="en-US" altLang="ko-KR" sz="2800" smtClean="0">
+                <a:ln>
+                  <a:solidFill>
+                    <a:schemeClr val="accent1">
+                      <a:alpha val="0"/>
+                    </a:schemeClr>
+                  </a:solidFill>
+                </a:ln>
+                <a:solidFill>
+                  <a:schemeClr val="accent2"/>
+                </a:solidFill>
+                <a:latin typeface="Yoon 윤고딕 530_TT" panose="02090603020101020101" pitchFamily="18" charset="-127"/>
+                <a:ea typeface="Yoon 윤고딕 530_TT" panose="02090603020101020101" pitchFamily="18" charset="-127"/>
+              </a:rPr>
+              <a:t>(4)</a:t>
+            </a:r>
+            <a:endParaRPr lang="en-US" altLang="ko-KR" sz="2800" smtClean="0">
+              <a:ln>
+                <a:solidFill>
+                  <a:schemeClr val="accent1">
+                    <a:alpha val="0"/>
+                  </a:schemeClr>
+                </a:solidFill>
+              </a:ln>
+              <a:solidFill>
+                <a:schemeClr val="accent2"/>
+              </a:solidFill>
+              <a:latin typeface="Yoon 윤고딕 530_TT" panose="02090603020101020101" pitchFamily="18" charset="-127"/>
+              <a:ea typeface="Yoon 윤고딕 530_TT" panose="02090603020101020101" pitchFamily="18" charset="-127"/>
+            </a:endParaRPr>
+          </a:p>
+          <a:p>
+            <a:endParaRPr lang="en-US" altLang="ko-KR" sz="2400" spc="-150" dirty="0" smtClean="0">
+              <a:ln>
+                <a:solidFill>
+                  <a:schemeClr val="accent1">
+                    <a:alpha val="0"/>
+                  </a:schemeClr>
+                </a:solidFill>
+              </a:ln>
+              <a:solidFill>
+                <a:schemeClr val="accent2"/>
+              </a:solidFill>
+              <a:latin typeface="Yoon 윤고딕 530_TT" panose="02090603020101020101" pitchFamily="18" charset="-127"/>
+              <a:ea typeface="Yoon 윤고딕 530_TT" panose="02090603020101020101" pitchFamily="18" charset="-127"/>
+            </a:endParaRPr>
+          </a:p>
+        </p:txBody>
+      </p:sp>
+      <p:pic>
+        <p:nvPicPr>
+          <p:cNvPr id="2" name="그림 1"/>
+          <p:cNvPicPr>
+            <a:picLocks noChangeAspect="1"/>
+          </p:cNvPicPr>
+          <p:nvPr/>
+        </p:nvPicPr>
+        <p:blipFill>
+          <a:blip r:embed="rId2">
+            <a:extLst>
+              <a:ext uri="{28A0092B-C50C-407E-A947-70E740481C1C}">
+                <a14:useLocalDpi xmlns:a14="http://schemas.microsoft.com/office/drawing/2010/main" val="0"/>
+              </a:ext>
+            </a:extLst>
+          </a:blip>
+          <a:stretch>
+            <a:fillRect/>
+          </a:stretch>
+        </p:blipFill>
+        <p:spPr>
+          <a:xfrm>
+            <a:off x="3305967" y="1948799"/>
+            <a:ext cx="4800462" cy="2771851"/>
+          </a:xfrm>
+          <a:prstGeom prst="rect">
+            <a:avLst/>
+          </a:prstGeom>
+        </p:spPr>
+      </p:pic>
+    </p:spTree>
+    <p:extLst>
+      <p:ext uri="{BB962C8B-B14F-4D97-AF65-F5344CB8AC3E}">
+        <p14:creationId xmlns:p14="http://schemas.microsoft.com/office/powerpoint/2010/main" val="432151436"/>
+      </p:ext>
+    </p:extLst>
+  </p:cSld>
+  <p:clrMapOvr>
+    <a:masterClrMapping/>
+  </p:clrMapOvr>
+  <p:timing>
+    <p:tnLst>
+      <p:par>
+        <p:cTn id="1" dur="indefinite" restart="never" nodeType="tmRoot"/>
+      </p:par>
+    </p:tnLst>
+  </p:timing>
+</p:sld>
+</file>
+
 <file path=ppt/slides/slide2.xml><?xml version="1.0" encoding="utf-8"?>
 <p:sld xmlns:a="http://schemas.openxmlformats.org/drawingml/2006/main" xmlns:r="http://schemas.openxmlformats.org/officeDocument/2006/relationships" xmlns:p="http://schemas.openxmlformats.org/presentationml/2006/main">
   <p:cSld>
@@ -4025,7 +4235,7 @@
             </a:r>
             <a:r>
               <a:rPr lang="en-US" altLang="ko-KR" sz="1000" smtClean="0"/>
-              <a:t>6-6</a:t>
+              <a:t>6-5</a:t>
             </a:r>
             <a:endParaRPr lang="ko-KR" altLang="en-US" sz="1000" dirty="0"/>
           </a:p>
@@ -4253,29 +4463,7 @@
                 </a:solidFill>
                 <a:latin typeface="+mj-ea"/>
               </a:rPr>
-              <a:t>네이버 </a:t>
-            </a:r>
-            <a:r>
-              <a:rPr lang="ko-KR" altLang="en-US" sz="2000" smtClean="0">
-                <a:solidFill>
-                  <a:schemeClr val="accent3">
-                    <a:lumMod val="50000"/>
-                  </a:schemeClr>
-                </a:solidFill>
-                <a:latin typeface="+mj-ea"/>
-              </a:rPr>
-              <a:t>연관 검색어 추출기 소스 </a:t>
-            </a:r>
-            <a:r>
-              <a:rPr lang="ko-KR" altLang="en-US" sz="2000" smtClean="0">
-                <a:solidFill>
-                  <a:schemeClr val="accent3">
-                    <a:lumMod val="50000"/>
-                  </a:schemeClr>
-                </a:solidFill>
-                <a:latin typeface="+mj-ea"/>
-              </a:rPr>
-              <a:t>코드</a:t>
+              <a:t>네이버 연관 검색어 추출기 소스 코드</a:t>
             </a:r>
             <a:endParaRPr lang="en-US" altLang="ko-KR" sz="2000">
               <a:solidFill>
@@ -4469,6 +4657,624 @@
     <p:extLst>
       <p:ext uri="{BB962C8B-B14F-4D97-AF65-F5344CB8AC3E}">
         <p14:creationId xmlns:p14="http://schemas.microsoft.com/office/powerpoint/2010/main" val="3932629004"/>
+      </p:ext>
+    </p:extLst>
+  </p:cSld>
+  <p:clrMapOvr>
+    <a:masterClrMapping/>
+  </p:clrMapOvr>
+  <p:timing>
+    <p:tnLst>
+      <p:par>
+        <p:cTn id="1" dur="indefinite" restart="never" nodeType="tmRoot"/>
+      </p:par>
+    </p:tnLst>
+  </p:timing>
+</p:sld>
+</file>
+
+<file path=ppt/slides/slide7.xml><?xml version="1.0" encoding="utf-8"?>
+<p:sld xmlns:a="http://schemas.openxmlformats.org/drawingml/2006/main" xmlns:r="http://schemas.openxmlformats.org/officeDocument/2006/relationships" xmlns:p="http://schemas.openxmlformats.org/presentationml/2006/main">
+  <p:cSld>
+    <p:spTree>
+      <p:nvGrpSpPr>
+        <p:cNvPr id="1" name=""/>
+        <p:cNvGrpSpPr/>
+        <p:nvPr/>
+      </p:nvGrpSpPr>
+      <p:grpSpPr>
+        <a:xfrm>
+          <a:off x="0" y="0"/>
+          <a:ext cx="0" cy="0"/>
+          <a:chOff x="0" y="0"/>
+          <a:chExt cx="0" cy="0"/>
+        </a:xfrm>
+      </p:grpSpPr>
+      <p:sp>
+        <p:nvSpPr>
+          <p:cNvPr id="9" name="직사각형 8"/>
+          <p:cNvSpPr/>
+          <p:nvPr/>
+        </p:nvSpPr>
+        <p:spPr>
+          <a:xfrm>
+            <a:off x="11022294" y="0"/>
+            <a:ext cx="1166428" cy="260648"/>
+          </a:xfrm>
+          <a:prstGeom prst="rect">
+            <a:avLst/>
+          </a:prstGeom>
+        </p:spPr>
+        <p:style>
+          <a:lnRef idx="1">
+            <a:schemeClr val="accent6"/>
+          </a:lnRef>
+          <a:fillRef idx="3">
+            <a:schemeClr val="accent6"/>
+          </a:fillRef>
+          <a:effectRef idx="2">
+            <a:schemeClr val="accent6"/>
+          </a:effectRef>
+          <a:fontRef idx="minor">
+            <a:schemeClr val="lt1"/>
+          </a:fontRef>
+        </p:style>
+        <p:txBody>
+          <a:bodyPr rtlCol="0" anchor="ctr"/>
+          <a:lstStyle/>
+          <a:p>
+            <a:pPr algn="ctr"/>
+            <a:r>
+              <a:rPr lang="ko-KR" altLang="en-US" sz="1000" dirty="0" smtClean="0"/>
+              <a:t>동영상 </a:t>
+            </a:r>
+            <a:r>
+              <a:rPr lang="ko-KR" altLang="en-US" sz="1000" smtClean="0"/>
+              <a:t>강의 </a:t>
+            </a:r>
+            <a:r>
+              <a:rPr lang="en-US" altLang="ko-KR" sz="1000" smtClean="0"/>
+              <a:t>6-5</a:t>
+            </a:r>
+            <a:endParaRPr lang="ko-KR" altLang="en-US" sz="1000" dirty="0"/>
+          </a:p>
+        </p:txBody>
+      </p:sp>
+      <p:sp>
+        <p:nvSpPr>
+          <p:cNvPr id="12" name="TextBox 11"/>
+          <p:cNvSpPr txBox="1"/>
+          <p:nvPr/>
+        </p:nvSpPr>
+        <p:spPr>
+          <a:xfrm>
+            <a:off x="2711624" y="720569"/>
+            <a:ext cx="8640960" cy="800219"/>
+          </a:xfrm>
+          <a:prstGeom prst="rect">
+            <a:avLst/>
+          </a:prstGeom>
+          <a:noFill/>
+        </p:spPr>
+        <p:txBody>
+          <a:bodyPr wrap="square" tIns="0" bIns="0" rtlCol="0">
+            <a:spAutoFit/>
+          </a:bodyPr>
+          <a:lstStyle/>
+          <a:p>
+            <a:r>
+              <a:rPr lang="ko-KR" altLang="en-US" sz="2800" smtClean="0">
+                <a:ln>
+                  <a:solidFill>
+                    <a:schemeClr val="accent1">
+                      <a:alpha val="0"/>
+                    </a:schemeClr>
+                  </a:solidFill>
+                </a:ln>
+                <a:solidFill>
+                  <a:schemeClr val="accent2"/>
+                </a:solidFill>
+                <a:latin typeface="Yoon 윤고딕 530_TT" panose="02090603020101020101" pitchFamily="18" charset="-127"/>
+                <a:ea typeface="Yoon 윤고딕 530_TT" panose="02090603020101020101" pitchFamily="18" charset="-127"/>
+              </a:rPr>
+              <a:t>추천 학습 내용</a:t>
+            </a:r>
+            <a:r>
+              <a:rPr lang="en-US" altLang="ko-KR" sz="2800" smtClean="0">
+                <a:ln>
+                  <a:solidFill>
+                    <a:schemeClr val="accent1">
+                      <a:alpha val="0"/>
+                    </a:schemeClr>
+                  </a:solidFill>
+                </a:ln>
+                <a:solidFill>
+                  <a:schemeClr val="accent2"/>
+                </a:solidFill>
+                <a:latin typeface="Yoon 윤고딕 530_TT" panose="02090603020101020101" pitchFamily="18" charset="-127"/>
+                <a:ea typeface="Yoon 윤고딕 530_TT" panose="02090603020101020101" pitchFamily="18" charset="-127"/>
+              </a:rPr>
+              <a:t>(1)</a:t>
+            </a:r>
+            <a:endParaRPr lang="en-US" altLang="ko-KR" sz="2800" smtClean="0">
+              <a:ln>
+                <a:solidFill>
+                  <a:schemeClr val="accent1">
+                    <a:alpha val="0"/>
+                  </a:schemeClr>
+                </a:solidFill>
+              </a:ln>
+              <a:solidFill>
+                <a:schemeClr val="accent2"/>
+              </a:solidFill>
+              <a:latin typeface="Yoon 윤고딕 530_TT" panose="02090603020101020101" pitchFamily="18" charset="-127"/>
+              <a:ea typeface="Yoon 윤고딕 530_TT" panose="02090603020101020101" pitchFamily="18" charset="-127"/>
+            </a:endParaRPr>
+          </a:p>
+          <a:p>
+            <a:endParaRPr lang="en-US" altLang="ko-KR" sz="2400" spc="-150" dirty="0" smtClean="0">
+              <a:ln>
+                <a:solidFill>
+                  <a:schemeClr val="accent1">
+                    <a:alpha val="0"/>
+                  </a:schemeClr>
+                </a:solidFill>
+              </a:ln>
+              <a:solidFill>
+                <a:schemeClr val="accent2"/>
+              </a:solidFill>
+              <a:latin typeface="Yoon 윤고딕 530_TT" panose="02090603020101020101" pitchFamily="18" charset="-127"/>
+              <a:ea typeface="Yoon 윤고딕 530_TT" panose="02090603020101020101" pitchFamily="18" charset="-127"/>
+            </a:endParaRPr>
+          </a:p>
+        </p:txBody>
+      </p:sp>
+      <p:pic>
+        <p:nvPicPr>
+          <p:cNvPr id="2" name="그림 1"/>
+          <p:cNvPicPr>
+            <a:picLocks noChangeAspect="1"/>
+          </p:cNvPicPr>
+          <p:nvPr/>
+        </p:nvPicPr>
+        <p:blipFill>
+          <a:blip r:embed="rId2">
+            <a:extLst>
+              <a:ext uri="{28A0092B-C50C-407E-A947-70E740481C1C}">
+                <a14:useLocalDpi xmlns:a14="http://schemas.microsoft.com/office/drawing/2010/main" val="0"/>
+              </a:ext>
+            </a:extLst>
+          </a:blip>
+          <a:stretch>
+            <a:fillRect/>
+          </a:stretch>
+        </p:blipFill>
+        <p:spPr>
+          <a:xfrm>
+            <a:off x="2711624" y="1844824"/>
+            <a:ext cx="5989149" cy="2979802"/>
+          </a:xfrm>
+          <a:prstGeom prst="rect">
+            <a:avLst/>
+          </a:prstGeom>
+        </p:spPr>
+      </p:pic>
+    </p:spTree>
+    <p:extLst>
+      <p:ext uri="{BB962C8B-B14F-4D97-AF65-F5344CB8AC3E}">
+        <p14:creationId xmlns:p14="http://schemas.microsoft.com/office/powerpoint/2010/main" val="4031700392"/>
+      </p:ext>
+    </p:extLst>
+  </p:cSld>
+  <p:clrMapOvr>
+    <a:masterClrMapping/>
+  </p:clrMapOvr>
+  <p:timing>
+    <p:tnLst>
+      <p:par>
+        <p:cTn id="1" dur="indefinite" restart="never" nodeType="tmRoot"/>
+      </p:par>
+    </p:tnLst>
+  </p:timing>
+</p:sld>
+</file>
+
+<file path=ppt/slides/slide8.xml><?xml version="1.0" encoding="utf-8"?>
+<p:sld xmlns:a="http://schemas.openxmlformats.org/drawingml/2006/main" xmlns:r="http://schemas.openxmlformats.org/officeDocument/2006/relationships" xmlns:p="http://schemas.openxmlformats.org/presentationml/2006/main">
+  <p:cSld>
+    <p:spTree>
+      <p:nvGrpSpPr>
+        <p:cNvPr id="1" name=""/>
+        <p:cNvGrpSpPr/>
+        <p:nvPr/>
+      </p:nvGrpSpPr>
+      <p:grpSpPr>
+        <a:xfrm>
+          <a:off x="0" y="0"/>
+          <a:ext cx="0" cy="0"/>
+          <a:chOff x="0" y="0"/>
+          <a:chExt cx="0" cy="0"/>
+        </a:xfrm>
+      </p:grpSpPr>
+      <p:sp>
+        <p:nvSpPr>
+          <p:cNvPr id="9" name="직사각형 8"/>
+          <p:cNvSpPr/>
+          <p:nvPr/>
+        </p:nvSpPr>
+        <p:spPr>
+          <a:xfrm>
+            <a:off x="11022294" y="0"/>
+            <a:ext cx="1166428" cy="260648"/>
+          </a:xfrm>
+          <a:prstGeom prst="rect">
+            <a:avLst/>
+          </a:prstGeom>
+        </p:spPr>
+        <p:style>
+          <a:lnRef idx="1">
+            <a:schemeClr val="accent6"/>
+          </a:lnRef>
+          <a:fillRef idx="3">
+            <a:schemeClr val="accent6"/>
+          </a:fillRef>
+          <a:effectRef idx="2">
+            <a:schemeClr val="accent6"/>
+          </a:effectRef>
+          <a:fontRef idx="minor">
+            <a:schemeClr val="lt1"/>
+          </a:fontRef>
+        </p:style>
+        <p:txBody>
+          <a:bodyPr rtlCol="0" anchor="ctr"/>
+          <a:lstStyle/>
+          <a:p>
+            <a:pPr algn="ctr"/>
+            <a:r>
+              <a:rPr lang="ko-KR" altLang="en-US" sz="1000" dirty="0" smtClean="0"/>
+              <a:t>동영상 </a:t>
+            </a:r>
+            <a:r>
+              <a:rPr lang="ko-KR" altLang="en-US" sz="1000" smtClean="0"/>
+              <a:t>강의 </a:t>
+            </a:r>
+            <a:r>
+              <a:rPr lang="en-US" altLang="ko-KR" sz="1000" smtClean="0"/>
+              <a:t>6-5</a:t>
+            </a:r>
+            <a:endParaRPr lang="ko-KR" altLang="en-US" sz="1000" dirty="0"/>
+          </a:p>
+        </p:txBody>
+      </p:sp>
+      <p:sp>
+        <p:nvSpPr>
+          <p:cNvPr id="12" name="TextBox 11"/>
+          <p:cNvSpPr txBox="1"/>
+          <p:nvPr/>
+        </p:nvSpPr>
+        <p:spPr>
+          <a:xfrm>
+            <a:off x="2711624" y="720569"/>
+            <a:ext cx="8640960" cy="800219"/>
+          </a:xfrm>
+          <a:prstGeom prst="rect">
+            <a:avLst/>
+          </a:prstGeom>
+          <a:noFill/>
+        </p:spPr>
+        <p:txBody>
+          <a:bodyPr wrap="square" tIns="0" bIns="0" rtlCol="0">
+            <a:spAutoFit/>
+          </a:bodyPr>
+          <a:lstStyle/>
+          <a:p>
+            <a:r>
+              <a:rPr lang="ko-KR" altLang="en-US" sz="2800" smtClean="0">
+                <a:ln>
+                  <a:solidFill>
+                    <a:schemeClr val="accent1">
+                      <a:alpha val="0"/>
+                    </a:schemeClr>
+                  </a:solidFill>
+                </a:ln>
+                <a:solidFill>
+                  <a:schemeClr val="accent2"/>
+                </a:solidFill>
+                <a:latin typeface="Yoon 윤고딕 530_TT" panose="02090603020101020101" pitchFamily="18" charset="-127"/>
+                <a:ea typeface="Yoon 윤고딕 530_TT" panose="02090603020101020101" pitchFamily="18" charset="-127"/>
+              </a:rPr>
+              <a:t>추천 학습 내용</a:t>
+            </a:r>
+            <a:r>
+              <a:rPr lang="en-US" altLang="ko-KR" sz="2800" smtClean="0">
+                <a:ln>
+                  <a:solidFill>
+                    <a:schemeClr val="accent1">
+                      <a:alpha val="0"/>
+                    </a:schemeClr>
+                  </a:solidFill>
+                </a:ln>
+                <a:solidFill>
+                  <a:schemeClr val="accent2"/>
+                </a:solidFill>
+                <a:latin typeface="Yoon 윤고딕 530_TT" panose="02090603020101020101" pitchFamily="18" charset="-127"/>
+                <a:ea typeface="Yoon 윤고딕 530_TT" panose="02090603020101020101" pitchFamily="18" charset="-127"/>
+              </a:rPr>
+              <a:t>(2)</a:t>
+            </a:r>
+            <a:endParaRPr lang="en-US" altLang="ko-KR" sz="2800" smtClean="0">
+              <a:ln>
+                <a:solidFill>
+                  <a:schemeClr val="accent1">
+                    <a:alpha val="0"/>
+                  </a:schemeClr>
+                </a:solidFill>
+              </a:ln>
+              <a:solidFill>
+                <a:schemeClr val="accent2"/>
+              </a:solidFill>
+              <a:latin typeface="Yoon 윤고딕 530_TT" panose="02090603020101020101" pitchFamily="18" charset="-127"/>
+              <a:ea typeface="Yoon 윤고딕 530_TT" panose="02090603020101020101" pitchFamily="18" charset="-127"/>
+            </a:endParaRPr>
+          </a:p>
+          <a:p>
+            <a:endParaRPr lang="en-US" altLang="ko-KR" sz="2400" spc="-150" dirty="0" smtClean="0">
+              <a:ln>
+                <a:solidFill>
+                  <a:schemeClr val="accent1">
+                    <a:alpha val="0"/>
+                  </a:schemeClr>
+                </a:solidFill>
+              </a:ln>
+              <a:solidFill>
+                <a:schemeClr val="accent2"/>
+              </a:solidFill>
+              <a:latin typeface="Yoon 윤고딕 530_TT" panose="02090603020101020101" pitchFamily="18" charset="-127"/>
+              <a:ea typeface="Yoon 윤고딕 530_TT" panose="02090603020101020101" pitchFamily="18" charset="-127"/>
+            </a:endParaRPr>
+          </a:p>
+        </p:txBody>
+      </p:sp>
+      <p:pic>
+        <p:nvPicPr>
+          <p:cNvPr id="2" name="그림 1"/>
+          <p:cNvPicPr>
+            <a:picLocks noChangeAspect="1"/>
+          </p:cNvPicPr>
+          <p:nvPr/>
+        </p:nvPicPr>
+        <p:blipFill>
+          <a:blip r:embed="rId2">
+            <a:extLst>
+              <a:ext uri="{28A0092B-C50C-407E-A947-70E740481C1C}">
+                <a14:useLocalDpi xmlns:a14="http://schemas.microsoft.com/office/drawing/2010/main" val="0"/>
+              </a:ext>
+            </a:extLst>
+          </a:blip>
+          <a:stretch>
+            <a:fillRect/>
+          </a:stretch>
+        </p:blipFill>
+        <p:spPr>
+          <a:xfrm>
+            <a:off x="3058270" y="1844824"/>
+            <a:ext cx="5295856" cy="2979802"/>
+          </a:xfrm>
+          <a:prstGeom prst="rect">
+            <a:avLst/>
+          </a:prstGeom>
+        </p:spPr>
+      </p:pic>
+    </p:spTree>
+    <p:extLst>
+      <p:ext uri="{BB962C8B-B14F-4D97-AF65-F5344CB8AC3E}">
+        <p14:creationId xmlns:p14="http://schemas.microsoft.com/office/powerpoint/2010/main" val="3783704309"/>
+      </p:ext>
+    </p:extLst>
+  </p:cSld>
+  <p:clrMapOvr>
+    <a:masterClrMapping/>
+  </p:clrMapOvr>
+  <p:timing>
+    <p:tnLst>
+      <p:par>
+        <p:cTn id="1" dur="indefinite" restart="never" nodeType="tmRoot"/>
+      </p:par>
+    </p:tnLst>
+  </p:timing>
+</p:sld>
+</file>
+
+<file path=ppt/slides/slide9.xml><?xml version="1.0" encoding="utf-8"?>
+<p:sld xmlns:a="http://schemas.openxmlformats.org/drawingml/2006/main" xmlns:r="http://schemas.openxmlformats.org/officeDocument/2006/relationships" xmlns:p="http://schemas.openxmlformats.org/presentationml/2006/main">
+  <p:cSld>
+    <p:spTree>
+      <p:nvGrpSpPr>
+        <p:cNvPr id="1" name=""/>
+        <p:cNvGrpSpPr/>
+        <p:nvPr/>
+      </p:nvGrpSpPr>
+      <p:grpSpPr>
+        <a:xfrm>
+          <a:off x="0" y="0"/>
+          <a:ext cx="0" cy="0"/>
+          <a:chOff x="0" y="0"/>
+          <a:chExt cx="0" cy="0"/>
+        </a:xfrm>
+      </p:grpSpPr>
+      <p:sp>
+        <p:nvSpPr>
+          <p:cNvPr id="9" name="직사각형 8"/>
+          <p:cNvSpPr/>
+          <p:nvPr/>
+        </p:nvSpPr>
+        <p:spPr>
+          <a:xfrm>
+            <a:off x="11022294" y="0"/>
+            <a:ext cx="1166428" cy="260648"/>
+          </a:xfrm>
+          <a:prstGeom prst="rect">
+            <a:avLst/>
+          </a:prstGeom>
+        </p:spPr>
+        <p:style>
+          <a:lnRef idx="1">
+            <a:schemeClr val="accent6"/>
+          </a:lnRef>
+          <a:fillRef idx="3">
+            <a:schemeClr val="accent6"/>
+          </a:fillRef>
+          <a:effectRef idx="2">
+            <a:schemeClr val="accent6"/>
+          </a:effectRef>
+          <a:fontRef idx="minor">
+            <a:schemeClr val="lt1"/>
+          </a:fontRef>
+        </p:style>
+        <p:txBody>
+          <a:bodyPr rtlCol="0" anchor="ctr"/>
+          <a:lstStyle/>
+          <a:p>
+            <a:pPr algn="ctr"/>
+            <a:r>
+              <a:rPr lang="ko-KR" altLang="en-US" sz="1000" dirty="0" smtClean="0"/>
+              <a:t>동영상 </a:t>
+            </a:r>
+            <a:r>
+              <a:rPr lang="ko-KR" altLang="en-US" sz="1000" smtClean="0"/>
+              <a:t>강의 </a:t>
+            </a:r>
+            <a:r>
+              <a:rPr lang="en-US" altLang="ko-KR" sz="1000" smtClean="0"/>
+              <a:t>6-5</a:t>
+            </a:r>
+            <a:endParaRPr lang="ko-KR" altLang="en-US" sz="1000" dirty="0"/>
+          </a:p>
+        </p:txBody>
+      </p:sp>
+      <p:sp>
+        <p:nvSpPr>
+          <p:cNvPr id="12" name="TextBox 11"/>
+          <p:cNvSpPr txBox="1"/>
+          <p:nvPr/>
+        </p:nvSpPr>
+        <p:spPr>
+          <a:xfrm>
+            <a:off x="2711624" y="720569"/>
+            <a:ext cx="8640960" cy="800219"/>
+          </a:xfrm>
+          <a:prstGeom prst="rect">
+            <a:avLst/>
+          </a:prstGeom>
+          <a:noFill/>
+        </p:spPr>
+        <p:txBody>
+          <a:bodyPr wrap="square" tIns="0" bIns="0" rtlCol="0">
+            <a:spAutoFit/>
+          </a:bodyPr>
+          <a:lstStyle/>
+          <a:p>
+            <a:r>
+              <a:rPr lang="ko-KR" altLang="en-US" sz="2800" smtClean="0">
+                <a:ln>
+                  <a:solidFill>
+                    <a:schemeClr val="accent1">
+                      <a:alpha val="0"/>
+                    </a:schemeClr>
+                  </a:solidFill>
+                </a:ln>
+                <a:solidFill>
+                  <a:schemeClr val="accent2"/>
+                </a:solidFill>
+                <a:latin typeface="Yoon 윤고딕 530_TT" panose="02090603020101020101" pitchFamily="18" charset="-127"/>
+                <a:ea typeface="Yoon 윤고딕 530_TT" panose="02090603020101020101" pitchFamily="18" charset="-127"/>
+              </a:rPr>
+              <a:t>추천 학습 내용</a:t>
+            </a:r>
+            <a:r>
+              <a:rPr lang="en-US" altLang="ko-KR" sz="2800" smtClean="0">
+                <a:ln>
+                  <a:solidFill>
+                    <a:schemeClr val="accent1">
+                      <a:alpha val="0"/>
+                    </a:schemeClr>
+                  </a:solidFill>
+                </a:ln>
+                <a:solidFill>
+                  <a:schemeClr val="accent2"/>
+                </a:solidFill>
+                <a:latin typeface="Yoon 윤고딕 530_TT" panose="02090603020101020101" pitchFamily="18" charset="-127"/>
+                <a:ea typeface="Yoon 윤고딕 530_TT" panose="02090603020101020101" pitchFamily="18" charset="-127"/>
+              </a:rPr>
+              <a:t>(3)</a:t>
+            </a:r>
+            <a:endParaRPr lang="en-US" altLang="ko-KR" sz="2800" smtClean="0">
+              <a:ln>
+                <a:solidFill>
+                  <a:schemeClr val="accent1">
+                    <a:alpha val="0"/>
+                  </a:schemeClr>
+                </a:solidFill>
+              </a:ln>
+              <a:solidFill>
+                <a:schemeClr val="accent2"/>
+              </a:solidFill>
+              <a:latin typeface="Yoon 윤고딕 530_TT" panose="02090603020101020101" pitchFamily="18" charset="-127"/>
+              <a:ea typeface="Yoon 윤고딕 530_TT" panose="02090603020101020101" pitchFamily="18" charset="-127"/>
+            </a:endParaRPr>
+          </a:p>
+          <a:p>
+            <a:endParaRPr lang="en-US" altLang="ko-KR" sz="2400" spc="-150" dirty="0" smtClean="0">
+              <a:ln>
+                <a:solidFill>
+                  <a:schemeClr val="accent1">
+                    <a:alpha val="0"/>
+                  </a:schemeClr>
+                </a:solidFill>
+              </a:ln>
+              <a:solidFill>
+                <a:schemeClr val="accent2"/>
+              </a:solidFill>
+              <a:latin typeface="Yoon 윤고딕 530_TT" panose="02090603020101020101" pitchFamily="18" charset="-127"/>
+              <a:ea typeface="Yoon 윤고딕 530_TT" panose="02090603020101020101" pitchFamily="18" charset="-127"/>
+            </a:endParaRPr>
+          </a:p>
+        </p:txBody>
+      </p:sp>
+      <p:pic>
+        <p:nvPicPr>
+          <p:cNvPr id="2" name="그림 1"/>
+          <p:cNvPicPr>
+            <a:picLocks noChangeAspect="1"/>
+          </p:cNvPicPr>
+          <p:nvPr/>
+        </p:nvPicPr>
+        <p:blipFill>
+          <a:blip r:embed="rId2" cstate="print">
+            <a:extLst>
+              <a:ext uri="{28A0092B-C50C-407E-A947-70E740481C1C}">
+                <a14:useLocalDpi xmlns:a14="http://schemas.microsoft.com/office/drawing/2010/main" val="0"/>
+              </a:ext>
+            </a:extLst>
+          </a:blip>
+          <a:stretch>
+            <a:fillRect/>
+          </a:stretch>
+        </p:blipFill>
+        <p:spPr>
+          <a:xfrm>
+            <a:off x="3058270" y="1948799"/>
+            <a:ext cx="5295856" cy="2771851"/>
+          </a:xfrm>
+          <a:prstGeom prst="rect">
+            <a:avLst/>
+          </a:prstGeom>
+        </p:spPr>
+      </p:pic>
+    </p:spTree>
+    <p:extLst>
+      <p:ext uri="{BB962C8B-B14F-4D97-AF65-F5344CB8AC3E}">
+        <p14:creationId xmlns:p14="http://schemas.microsoft.com/office/powerpoint/2010/main" val="2575398215"/>
       </p:ext>
     </p:extLst>
   </p:cSld>

--- a/section6/챕터6 강의 PPT.pptx
+++ b/section6/챕터6 강의 PPT.pptx
@@ -10,34 +10,42 @@
     <p:sldId id="285" r:id="rId4"/>
     <p:sldId id="286" r:id="rId5"/>
     <p:sldId id="287" r:id="rId6"/>
-    <p:sldId id="289" r:id="rId7"/>
-    <p:sldId id="290" r:id="rId8"/>
-    <p:sldId id="291" r:id="rId9"/>
-    <p:sldId id="292" r:id="rId10"/>
-    <p:sldId id="293" r:id="rId11"/>
+    <p:sldId id="294" r:id="rId7"/>
+    <p:sldId id="297" r:id="rId8"/>
+    <p:sldId id="296" r:id="rId9"/>
+    <p:sldId id="295" r:id="rId10"/>
+    <p:sldId id="289" r:id="rId11"/>
+    <p:sldId id="290" r:id="rId12"/>
+    <p:sldId id="291" r:id="rId13"/>
+    <p:sldId id="292" r:id="rId14"/>
+    <p:sldId id="293" r:id="rId15"/>
   </p:sldIdLst>
   <p:sldSz cx="12192000" cy="6858000"/>
   <p:notesSz cx="6858000" cy="9144000"/>
   <p:embeddedFontLst>
     <p:embeddedFont>
-      <p:font typeface="Yoon 윤고딕 540_TT" panose="02090603020101020101" pitchFamily="18" charset="-127"/>
-      <p:regular r:id="rId12"/>
+      <p:font typeface="SpoqaHanSans-Regular" panose="020B0500000000000000" pitchFamily="50" charset="-127"/>
+      <p:regular r:id="rId16"/>
+    </p:embeddedFont>
+    <p:embeddedFont>
+      <p:font typeface="Calibri" panose="020F0502020204030204" pitchFamily="34" charset="0"/>
+      <p:regular r:id="rId17"/>
+      <p:bold r:id="rId18"/>
+      <p:italic r:id="rId19"/>
+      <p:boldItalic r:id="rId20"/>
     </p:embeddedFont>
     <p:embeddedFont>
       <p:font typeface="맑은 고딕" panose="020B0503020000020004" pitchFamily="50" charset="-127"/>
-      <p:regular r:id="rId13"/>
-      <p:bold r:id="rId14"/>
+      <p:regular r:id="rId21"/>
+      <p:bold r:id="rId22"/>
     </p:embeddedFont>
     <p:embeddedFont>
-      <p:font typeface="Calibri" panose="020F0502020204030204" pitchFamily="34" charset="0"/>
-      <p:regular r:id="rId15"/>
-      <p:bold r:id="rId16"/>
-      <p:italic r:id="rId17"/>
-      <p:boldItalic r:id="rId18"/>
+      <p:font typeface="Yoon 윤고딕 530_TT" panose="020B0600000101010101" charset="-127"/>
+      <p:regular r:id="rId23"/>
     </p:embeddedFont>
     <p:embeddedFont>
-      <p:font typeface="Yoon 윤고딕 530_TT" panose="02090603020101020101" pitchFamily="18" charset="-127"/>
-      <p:regular r:id="rId19"/>
+      <p:font typeface="Yoon 윤고딕 540_TT" panose="020B0600000101010101" charset="-127"/>
+      <p:regular r:id="rId24"/>
     </p:embeddedFont>
   </p:embeddedFontLst>
   <p:defaultTextStyle>
@@ -1391,6 +1399,505 @@
         </p:nvSpPr>
         <p:spPr>
           <a:xfrm>
+            <a:off x="2711624" y="548680"/>
+            <a:ext cx="8640960" cy="1169551"/>
+          </a:xfrm>
+          <a:prstGeom prst="rect">
+            <a:avLst/>
+          </a:prstGeom>
+          <a:noFill/>
+        </p:spPr>
+        <p:txBody>
+          <a:bodyPr wrap="square" tIns="0" bIns="0" rtlCol="0">
+            <a:spAutoFit/>
+          </a:bodyPr>
+          <a:lstStyle/>
+          <a:p>
+            <a:r>
+              <a:rPr lang="ko-KR" altLang="en-US" sz="2800" smtClean="0">
+                <a:ln>
+                  <a:solidFill>
+                    <a:schemeClr val="accent1">
+                      <a:alpha val="0"/>
+                    </a:schemeClr>
+                  </a:solidFill>
+                </a:ln>
+                <a:solidFill>
+                  <a:schemeClr val="accent2"/>
+                </a:solidFill>
+                <a:latin typeface="Yoon 윤고딕 530_TT" panose="02090603020101020101" pitchFamily="18" charset="-127"/>
+                <a:ea typeface="Yoon 윤고딕 530_TT" panose="02090603020101020101" pitchFamily="18" charset="-127"/>
+              </a:rPr>
+              <a:t>강의 마무리 및 요약 정리</a:t>
+            </a:r>
+            <a:endParaRPr lang="en-US" altLang="ko-KR" sz="2800" smtClean="0">
+              <a:ln>
+                <a:solidFill>
+                  <a:schemeClr val="accent1">
+                    <a:alpha val="0"/>
+                  </a:schemeClr>
+                </a:solidFill>
+              </a:ln>
+              <a:solidFill>
+                <a:schemeClr val="accent2"/>
+              </a:solidFill>
+              <a:latin typeface="Yoon 윤고딕 530_TT" panose="02090603020101020101" pitchFamily="18" charset="-127"/>
+              <a:ea typeface="Yoon 윤고딕 530_TT" panose="02090603020101020101" pitchFamily="18" charset="-127"/>
+            </a:endParaRPr>
+          </a:p>
+          <a:p>
+            <a:endParaRPr lang="en-US" altLang="ko-KR" sz="2400" spc="-150" dirty="0" smtClean="0">
+              <a:ln>
+                <a:solidFill>
+                  <a:schemeClr val="accent1">
+                    <a:alpha val="0"/>
+                  </a:schemeClr>
+                </a:solidFill>
+              </a:ln>
+              <a:solidFill>
+                <a:schemeClr val="accent2"/>
+              </a:solidFill>
+              <a:latin typeface="Yoon 윤고딕 530_TT" panose="02090603020101020101" pitchFamily="18" charset="-127"/>
+              <a:ea typeface="Yoon 윤고딕 530_TT" panose="02090603020101020101" pitchFamily="18" charset="-127"/>
+            </a:endParaRPr>
+          </a:p>
+          <a:p>
+            <a:r>
+              <a:rPr lang="ko-KR" altLang="en-US" sz="2400" spc="-150" dirty="0" smtClean="0">
+                <a:ln>
+                  <a:solidFill>
+                    <a:schemeClr val="accent1">
+                      <a:alpha val="0"/>
+                    </a:schemeClr>
+                  </a:solidFill>
+                </a:ln>
+                <a:solidFill>
+                  <a:srgbClr val="C00000"/>
+                </a:solidFill>
+                <a:latin typeface="Yoon 윤고딕 530_TT" panose="02090603020101020101" pitchFamily="18" charset="-127"/>
+                <a:ea typeface="Yoon 윤고딕 530_TT" panose="02090603020101020101" pitchFamily="18" charset="-127"/>
+              </a:rPr>
+              <a:t>오늘 </a:t>
+            </a:r>
+            <a:r>
+              <a:rPr lang="ko-KR" altLang="en-US" sz="2400" spc="-150" smtClean="0">
+                <a:ln>
+                  <a:solidFill>
+                    <a:schemeClr val="accent1">
+                      <a:alpha val="0"/>
+                    </a:schemeClr>
+                  </a:solidFill>
+                </a:ln>
+                <a:solidFill>
+                  <a:srgbClr val="C00000"/>
+                </a:solidFill>
+                <a:latin typeface="Yoon 윤고딕 530_TT" panose="02090603020101020101" pitchFamily="18" charset="-127"/>
+                <a:ea typeface="Yoon 윤고딕 530_TT" panose="02090603020101020101" pitchFamily="18" charset="-127"/>
+              </a:rPr>
+              <a:t>내용 정리</a:t>
+            </a:r>
+            <a:endParaRPr lang="ko-KR" altLang="en-US" sz="2400" dirty="0">
+              <a:ln>
+                <a:solidFill>
+                  <a:schemeClr val="accent1">
+                    <a:alpha val="0"/>
+                  </a:schemeClr>
+                </a:solidFill>
+              </a:ln>
+              <a:solidFill>
+                <a:srgbClr val="C00000"/>
+              </a:solidFill>
+              <a:latin typeface="Yoon 윤고딕 530_TT" panose="02090603020101020101" pitchFamily="18" charset="-127"/>
+              <a:ea typeface="Yoon 윤고딕 530_TT" panose="02090603020101020101" pitchFamily="18" charset="-127"/>
+            </a:endParaRPr>
+          </a:p>
+        </p:txBody>
+      </p:sp>
+      <p:sp>
+        <p:nvSpPr>
+          <p:cNvPr id="6" name="TextBox 5"/>
+          <p:cNvSpPr txBox="1"/>
+          <p:nvPr/>
+        </p:nvSpPr>
+        <p:spPr>
+          <a:xfrm>
+            <a:off x="2711624" y="1844824"/>
+            <a:ext cx="8712968" cy="3970318"/>
+          </a:xfrm>
+          <a:prstGeom prst="rect">
+            <a:avLst/>
+          </a:prstGeom>
+          <a:noFill/>
+        </p:spPr>
+        <p:txBody>
+          <a:bodyPr wrap="square" rtlCol="0">
+            <a:spAutoFit/>
+          </a:bodyPr>
+          <a:lstStyle/>
+          <a:p>
+            <a:pPr>
+              <a:lnSpc>
+                <a:spcPct val="150000"/>
+              </a:lnSpc>
+            </a:pPr>
+            <a:endParaRPr lang="en-US" altLang="ko-KR" sz="2000" smtClean="0">
+              <a:solidFill>
+                <a:schemeClr val="accent3">
+                  <a:lumMod val="50000"/>
+                </a:schemeClr>
+              </a:solidFill>
+              <a:latin typeface="+mj-ea"/>
+              <a:ea typeface="+mj-ea"/>
+            </a:endParaRPr>
+          </a:p>
+          <a:p>
+            <a:pPr>
+              <a:lnSpc>
+                <a:spcPct val="150000"/>
+              </a:lnSpc>
+            </a:pPr>
+            <a:r>
+              <a:rPr lang="ko-KR" altLang="en-US" sz="2000" smtClean="0">
+                <a:solidFill>
+                  <a:schemeClr val="accent3">
+                    <a:lumMod val="50000"/>
+                  </a:schemeClr>
+                </a:solidFill>
+                <a:latin typeface="+mj-ea"/>
+              </a:rPr>
+              <a:t>요약 정리 및 추가 학습 방법 설명</a:t>
+            </a:r>
+            <a:endParaRPr lang="en-US" altLang="ko-KR" sz="2000" smtClean="0">
+              <a:solidFill>
+                <a:schemeClr val="accent3">
+                  <a:lumMod val="50000"/>
+                </a:schemeClr>
+              </a:solidFill>
+              <a:latin typeface="+mj-ea"/>
+            </a:endParaRPr>
+          </a:p>
+          <a:p>
+            <a:pPr>
+              <a:lnSpc>
+                <a:spcPct val="150000"/>
+              </a:lnSpc>
+            </a:pPr>
+            <a:r>
+              <a:rPr lang="ko-KR" altLang="en-US" sz="2000" smtClean="0">
+                <a:solidFill>
+                  <a:schemeClr val="accent3">
+                    <a:lumMod val="50000"/>
+                  </a:schemeClr>
+                </a:solidFill>
+                <a:latin typeface="+mj-ea"/>
+              </a:rPr>
+              <a:t>부록 </a:t>
+            </a:r>
+            <a:r>
+              <a:rPr lang="en-US" altLang="ko-KR" sz="2000" smtClean="0">
+                <a:solidFill>
+                  <a:schemeClr val="accent3">
+                    <a:lumMod val="50000"/>
+                  </a:schemeClr>
+                </a:solidFill>
+                <a:latin typeface="+mj-ea"/>
+              </a:rPr>
+              <a:t>: </a:t>
+            </a:r>
+            <a:r>
+              <a:rPr lang="ko-KR" altLang="en-US" sz="2000" smtClean="0">
+                <a:solidFill>
+                  <a:schemeClr val="accent3">
+                    <a:lumMod val="50000"/>
+                  </a:schemeClr>
+                </a:solidFill>
+                <a:latin typeface="+mj-ea"/>
+              </a:rPr>
+              <a:t>네이버 연관 검색어 추출기 소스 코드</a:t>
+            </a:r>
+            <a:endParaRPr lang="en-US" altLang="ko-KR" sz="2000">
+              <a:solidFill>
+                <a:schemeClr val="accent3">
+                  <a:lumMod val="50000"/>
+                </a:schemeClr>
+              </a:solidFill>
+              <a:latin typeface="+mj-ea"/>
+            </a:endParaRPr>
+          </a:p>
+          <a:p>
+            <a:pPr>
+              <a:lnSpc>
+                <a:spcPct val="150000"/>
+              </a:lnSpc>
+            </a:pPr>
+            <a:endParaRPr lang="en-US" altLang="ko-KR" sz="2000" smtClean="0">
+              <a:solidFill>
+                <a:schemeClr val="accent3">
+                  <a:lumMod val="50000"/>
+                </a:schemeClr>
+              </a:solidFill>
+              <a:latin typeface="+mj-ea"/>
+            </a:endParaRPr>
+          </a:p>
+          <a:p>
+            <a:pPr>
+              <a:lnSpc>
+                <a:spcPct val="150000"/>
+              </a:lnSpc>
+            </a:pPr>
+            <a:r>
+              <a:rPr lang="en-US" altLang="ko-KR" sz="2000" smtClean="0">
+                <a:solidFill>
+                  <a:schemeClr val="accent3">
+                    <a:lumMod val="50000"/>
+                  </a:schemeClr>
+                </a:solidFill>
+                <a:latin typeface="+mj-ea"/>
+              </a:rPr>
+              <a:t>PyQT5 </a:t>
+            </a:r>
+            <a:r>
+              <a:rPr lang="en-US" altLang="ko-KR" sz="2000">
+                <a:solidFill>
+                  <a:schemeClr val="accent3">
+                    <a:lumMod val="50000"/>
+                  </a:schemeClr>
+                </a:solidFill>
+                <a:latin typeface="+mj-ea"/>
+              </a:rPr>
+              <a:t>: </a:t>
+            </a:r>
+            <a:r>
+              <a:rPr lang="en-US" altLang="ko-KR" sz="2000">
+                <a:solidFill>
+                  <a:schemeClr val="accent3">
+                    <a:lumMod val="50000"/>
+                  </a:schemeClr>
+                </a:solidFill>
+                <a:latin typeface="+mj-ea"/>
+                <a:hlinkClick r:id="rId2"/>
+              </a:rPr>
+              <a:t>http://pyqt.sourceforge.net/Docs/PyQt5</a:t>
+            </a:r>
+            <a:r>
+              <a:rPr lang="en-US" altLang="ko-KR" sz="2000" smtClean="0">
+                <a:solidFill>
+                  <a:schemeClr val="accent3">
+                    <a:lumMod val="50000"/>
+                  </a:schemeClr>
+                </a:solidFill>
+                <a:latin typeface="+mj-ea"/>
+                <a:hlinkClick r:id="rId2"/>
+              </a:rPr>
+              <a:t>/</a:t>
+            </a:r>
+            <a:endParaRPr lang="en-US" altLang="ko-KR" sz="2000" smtClean="0">
+              <a:solidFill>
+                <a:schemeClr val="accent3">
+                  <a:lumMod val="50000"/>
+                </a:schemeClr>
+              </a:solidFill>
+              <a:latin typeface="+mj-ea"/>
+            </a:endParaRPr>
+          </a:p>
+          <a:p>
+            <a:pPr>
+              <a:lnSpc>
+                <a:spcPct val="150000"/>
+              </a:lnSpc>
+            </a:pPr>
+            <a:r>
+              <a:rPr lang="en-US" altLang="ko-KR" sz="2000">
+                <a:solidFill>
+                  <a:schemeClr val="accent3">
+                    <a:lumMod val="50000"/>
+                  </a:schemeClr>
+                </a:solidFill>
+                <a:latin typeface="+mj-ea"/>
+              </a:rPr>
+              <a:t>Qt Designer : http://doc.qt.io/qt-5/qtdesigner-manual.html</a:t>
+            </a:r>
+          </a:p>
+          <a:p>
+            <a:pPr>
+              <a:lnSpc>
+                <a:spcPct val="150000"/>
+              </a:lnSpc>
+            </a:pPr>
+            <a:r>
+              <a:rPr lang="ko-KR" altLang="en-US" sz="2000" smtClean="0">
+                <a:solidFill>
+                  <a:schemeClr val="accent3">
+                    <a:lumMod val="50000"/>
+                  </a:schemeClr>
+                </a:solidFill>
+                <a:latin typeface="+mj-ea"/>
+              </a:rPr>
+              <a:t>수업 </a:t>
+            </a:r>
+            <a:r>
+              <a:rPr lang="ko-KR" altLang="en-US" sz="2000">
+                <a:solidFill>
+                  <a:schemeClr val="accent3">
+                    <a:lumMod val="50000"/>
+                  </a:schemeClr>
+                </a:solidFill>
+                <a:latin typeface="+mj-ea"/>
+              </a:rPr>
+              <a:t>소스 파일 </a:t>
+            </a:r>
+            <a:r>
+              <a:rPr lang="en-US" altLang="ko-KR" sz="2000">
+                <a:solidFill>
+                  <a:schemeClr val="accent3">
+                    <a:lumMod val="50000"/>
+                  </a:schemeClr>
+                </a:solidFill>
+                <a:latin typeface="+mj-ea"/>
+              </a:rPr>
+              <a:t>: https://</a:t>
+            </a:r>
+            <a:r>
+              <a:rPr lang="en-US" altLang="ko-KR" sz="2000" smtClean="0">
+                <a:solidFill>
+                  <a:schemeClr val="accent3">
+                    <a:lumMod val="50000"/>
+                  </a:schemeClr>
+                </a:solidFill>
+                <a:latin typeface="+mj-ea"/>
+              </a:rPr>
+              <a:t>github.com/eunki7/python_create_app_1</a:t>
+            </a:r>
+            <a:r>
+              <a:rPr lang="en-US" altLang="ko-KR" sz="2000" smtClean="0">
+                <a:solidFill>
+                  <a:schemeClr val="accent3">
+                    <a:lumMod val="50000"/>
+                  </a:schemeClr>
+                </a:solidFill>
+                <a:latin typeface="+mj-ea"/>
+                <a:ea typeface="+mj-ea"/>
+              </a:rPr>
+              <a:t/>
+            </a:r>
+            <a:br>
+              <a:rPr lang="en-US" altLang="ko-KR" sz="2000" smtClean="0">
+                <a:solidFill>
+                  <a:schemeClr val="accent3">
+                    <a:lumMod val="50000"/>
+                  </a:schemeClr>
+                </a:solidFill>
+                <a:latin typeface="+mj-ea"/>
+                <a:ea typeface="+mj-ea"/>
+              </a:rPr>
+            </a:br>
+            <a:endParaRPr lang="en-US" altLang="ko-KR" sz="2800" dirty="0" smtClean="0">
+              <a:solidFill>
+                <a:schemeClr val="accent3">
+                  <a:lumMod val="50000"/>
+                </a:schemeClr>
+              </a:solidFill>
+              <a:latin typeface="+mj-ea"/>
+              <a:ea typeface="+mj-ea"/>
+            </a:endParaRPr>
+          </a:p>
+        </p:txBody>
+      </p:sp>
+    </p:spTree>
+    <p:extLst>
+      <p:ext uri="{BB962C8B-B14F-4D97-AF65-F5344CB8AC3E}">
+        <p14:creationId xmlns:p14="http://schemas.microsoft.com/office/powerpoint/2010/main" val="3932629004"/>
+      </p:ext>
+    </p:extLst>
+  </p:cSld>
+  <p:clrMapOvr>
+    <a:masterClrMapping/>
+  </p:clrMapOvr>
+  <p:timing>
+    <p:tnLst>
+      <p:par>
+        <p:cTn id="1" dur="indefinite" restart="never" nodeType="tmRoot"/>
+      </p:par>
+    </p:tnLst>
+  </p:timing>
+</p:sld>
+</file>
+
+<file path=ppt/slides/slide11.xml><?xml version="1.0" encoding="utf-8"?>
+<p:sld xmlns:a="http://schemas.openxmlformats.org/drawingml/2006/main" xmlns:r="http://schemas.openxmlformats.org/officeDocument/2006/relationships" xmlns:p="http://schemas.openxmlformats.org/presentationml/2006/main">
+  <p:cSld>
+    <p:spTree>
+      <p:nvGrpSpPr>
+        <p:cNvPr id="1" name=""/>
+        <p:cNvGrpSpPr/>
+        <p:nvPr/>
+      </p:nvGrpSpPr>
+      <p:grpSpPr>
+        <a:xfrm>
+          <a:off x="0" y="0"/>
+          <a:ext cx="0" cy="0"/>
+          <a:chOff x="0" y="0"/>
+          <a:chExt cx="0" cy="0"/>
+        </a:xfrm>
+      </p:grpSpPr>
+      <p:sp>
+        <p:nvSpPr>
+          <p:cNvPr id="9" name="직사각형 8"/>
+          <p:cNvSpPr/>
+          <p:nvPr/>
+        </p:nvSpPr>
+        <p:spPr>
+          <a:xfrm>
+            <a:off x="11022294" y="0"/>
+            <a:ext cx="1166428" cy="260648"/>
+          </a:xfrm>
+          <a:prstGeom prst="rect">
+            <a:avLst/>
+          </a:prstGeom>
+        </p:spPr>
+        <p:style>
+          <a:lnRef idx="1">
+            <a:schemeClr val="accent6"/>
+          </a:lnRef>
+          <a:fillRef idx="3">
+            <a:schemeClr val="accent6"/>
+          </a:fillRef>
+          <a:effectRef idx="2">
+            <a:schemeClr val="accent6"/>
+          </a:effectRef>
+          <a:fontRef idx="minor">
+            <a:schemeClr val="lt1"/>
+          </a:fontRef>
+        </p:style>
+        <p:txBody>
+          <a:bodyPr rtlCol="0" anchor="ctr"/>
+          <a:lstStyle/>
+          <a:p>
+            <a:pPr algn="ctr"/>
+            <a:r>
+              <a:rPr lang="ko-KR" altLang="en-US" sz="1000" dirty="0" smtClean="0"/>
+              <a:t>동영상 </a:t>
+            </a:r>
+            <a:r>
+              <a:rPr lang="ko-KR" altLang="en-US" sz="1000" smtClean="0"/>
+              <a:t>강의 </a:t>
+            </a:r>
+            <a:r>
+              <a:rPr lang="en-US" altLang="ko-KR" sz="1000" smtClean="0"/>
+              <a:t>6-5</a:t>
+            </a:r>
+            <a:endParaRPr lang="ko-KR" altLang="en-US" sz="1000" dirty="0"/>
+          </a:p>
+        </p:txBody>
+      </p:sp>
+      <p:sp>
+        <p:nvSpPr>
+          <p:cNvPr id="12" name="TextBox 11"/>
+          <p:cNvSpPr txBox="1"/>
+          <p:nvPr/>
+        </p:nvSpPr>
+        <p:spPr>
+          <a:xfrm>
             <a:off x="2711624" y="720569"/>
             <a:ext cx="8640960" cy="800219"/>
           </a:xfrm>
@@ -1437,9 +1944,11 @@
                 <a:latin typeface="Yoon 윤고딕 530_TT" panose="02090603020101020101" pitchFamily="18" charset="-127"/>
                 <a:ea typeface="Yoon 윤고딕 530_TT" panose="02090603020101020101" pitchFamily="18" charset="-127"/>
               </a:rPr>
-              <a:t>(4)</a:t>
-            </a:r>
-            <a:endParaRPr lang="en-US" altLang="ko-KR" sz="2800" smtClean="0">
+              <a:t>(1)</a:t>
+            </a:r>
+          </a:p>
+          <a:p>
+            <a:endParaRPr lang="en-US" altLang="ko-KR" sz="2400" spc="-150" dirty="0" smtClean="0">
               <a:ln>
                 <a:solidFill>
                   <a:schemeClr val="accent1">
@@ -1453,6 +1962,566 @@
               <a:latin typeface="Yoon 윤고딕 530_TT" panose="02090603020101020101" pitchFamily="18" charset="-127"/>
               <a:ea typeface="Yoon 윤고딕 530_TT" panose="02090603020101020101" pitchFamily="18" charset="-127"/>
             </a:endParaRPr>
+          </a:p>
+        </p:txBody>
+      </p:sp>
+      <p:pic>
+        <p:nvPicPr>
+          <p:cNvPr id="2" name="그림 1"/>
+          <p:cNvPicPr>
+            <a:picLocks noChangeAspect="1"/>
+          </p:cNvPicPr>
+          <p:nvPr/>
+        </p:nvPicPr>
+        <p:blipFill>
+          <a:blip r:embed="rId2">
+            <a:extLst>
+              <a:ext uri="{28A0092B-C50C-407E-A947-70E740481C1C}">
+                <a14:useLocalDpi xmlns:a14="http://schemas.microsoft.com/office/drawing/2010/main" val="0"/>
+              </a:ext>
+            </a:extLst>
+          </a:blip>
+          <a:stretch>
+            <a:fillRect/>
+          </a:stretch>
+        </p:blipFill>
+        <p:spPr>
+          <a:xfrm>
+            <a:off x="2711624" y="1844824"/>
+            <a:ext cx="5989149" cy="2979802"/>
+          </a:xfrm>
+          <a:prstGeom prst="rect">
+            <a:avLst/>
+          </a:prstGeom>
+        </p:spPr>
+      </p:pic>
+    </p:spTree>
+    <p:extLst>
+      <p:ext uri="{BB962C8B-B14F-4D97-AF65-F5344CB8AC3E}">
+        <p14:creationId xmlns:p14="http://schemas.microsoft.com/office/powerpoint/2010/main" val="4031700392"/>
+      </p:ext>
+    </p:extLst>
+  </p:cSld>
+  <p:clrMapOvr>
+    <a:masterClrMapping/>
+  </p:clrMapOvr>
+  <p:timing>
+    <p:tnLst>
+      <p:par>
+        <p:cTn id="1" dur="indefinite" restart="never" nodeType="tmRoot"/>
+      </p:par>
+    </p:tnLst>
+  </p:timing>
+</p:sld>
+</file>
+
+<file path=ppt/slides/slide12.xml><?xml version="1.0" encoding="utf-8"?>
+<p:sld xmlns:a="http://schemas.openxmlformats.org/drawingml/2006/main" xmlns:r="http://schemas.openxmlformats.org/officeDocument/2006/relationships" xmlns:p="http://schemas.openxmlformats.org/presentationml/2006/main">
+  <p:cSld>
+    <p:spTree>
+      <p:nvGrpSpPr>
+        <p:cNvPr id="1" name=""/>
+        <p:cNvGrpSpPr/>
+        <p:nvPr/>
+      </p:nvGrpSpPr>
+      <p:grpSpPr>
+        <a:xfrm>
+          <a:off x="0" y="0"/>
+          <a:ext cx="0" cy="0"/>
+          <a:chOff x="0" y="0"/>
+          <a:chExt cx="0" cy="0"/>
+        </a:xfrm>
+      </p:grpSpPr>
+      <p:sp>
+        <p:nvSpPr>
+          <p:cNvPr id="9" name="직사각형 8"/>
+          <p:cNvSpPr/>
+          <p:nvPr/>
+        </p:nvSpPr>
+        <p:spPr>
+          <a:xfrm>
+            <a:off x="11022294" y="0"/>
+            <a:ext cx="1166428" cy="260648"/>
+          </a:xfrm>
+          <a:prstGeom prst="rect">
+            <a:avLst/>
+          </a:prstGeom>
+        </p:spPr>
+        <p:style>
+          <a:lnRef idx="1">
+            <a:schemeClr val="accent6"/>
+          </a:lnRef>
+          <a:fillRef idx="3">
+            <a:schemeClr val="accent6"/>
+          </a:fillRef>
+          <a:effectRef idx="2">
+            <a:schemeClr val="accent6"/>
+          </a:effectRef>
+          <a:fontRef idx="minor">
+            <a:schemeClr val="lt1"/>
+          </a:fontRef>
+        </p:style>
+        <p:txBody>
+          <a:bodyPr rtlCol="0" anchor="ctr"/>
+          <a:lstStyle/>
+          <a:p>
+            <a:pPr algn="ctr"/>
+            <a:r>
+              <a:rPr lang="ko-KR" altLang="en-US" sz="1000" dirty="0" smtClean="0"/>
+              <a:t>동영상 </a:t>
+            </a:r>
+            <a:r>
+              <a:rPr lang="ko-KR" altLang="en-US" sz="1000" smtClean="0"/>
+              <a:t>강의 </a:t>
+            </a:r>
+            <a:r>
+              <a:rPr lang="en-US" altLang="ko-KR" sz="1000" smtClean="0"/>
+              <a:t>6-5</a:t>
+            </a:r>
+            <a:endParaRPr lang="ko-KR" altLang="en-US" sz="1000" dirty="0"/>
+          </a:p>
+        </p:txBody>
+      </p:sp>
+      <p:sp>
+        <p:nvSpPr>
+          <p:cNvPr id="12" name="TextBox 11"/>
+          <p:cNvSpPr txBox="1"/>
+          <p:nvPr/>
+        </p:nvSpPr>
+        <p:spPr>
+          <a:xfrm>
+            <a:off x="2711624" y="720569"/>
+            <a:ext cx="8640960" cy="800219"/>
+          </a:xfrm>
+          <a:prstGeom prst="rect">
+            <a:avLst/>
+          </a:prstGeom>
+          <a:noFill/>
+        </p:spPr>
+        <p:txBody>
+          <a:bodyPr wrap="square" tIns="0" bIns="0" rtlCol="0">
+            <a:spAutoFit/>
+          </a:bodyPr>
+          <a:lstStyle/>
+          <a:p>
+            <a:r>
+              <a:rPr lang="ko-KR" altLang="en-US" sz="2800" smtClean="0">
+                <a:ln>
+                  <a:solidFill>
+                    <a:schemeClr val="accent1">
+                      <a:alpha val="0"/>
+                    </a:schemeClr>
+                  </a:solidFill>
+                </a:ln>
+                <a:solidFill>
+                  <a:schemeClr val="accent2"/>
+                </a:solidFill>
+                <a:latin typeface="Yoon 윤고딕 530_TT" panose="02090603020101020101" pitchFamily="18" charset="-127"/>
+                <a:ea typeface="Yoon 윤고딕 530_TT" panose="02090603020101020101" pitchFamily="18" charset="-127"/>
+              </a:rPr>
+              <a:t>추천 학습 내용</a:t>
+            </a:r>
+            <a:r>
+              <a:rPr lang="en-US" altLang="ko-KR" sz="2800" smtClean="0">
+                <a:ln>
+                  <a:solidFill>
+                    <a:schemeClr val="accent1">
+                      <a:alpha val="0"/>
+                    </a:schemeClr>
+                  </a:solidFill>
+                </a:ln>
+                <a:solidFill>
+                  <a:schemeClr val="accent2"/>
+                </a:solidFill>
+                <a:latin typeface="Yoon 윤고딕 530_TT" panose="02090603020101020101" pitchFamily="18" charset="-127"/>
+                <a:ea typeface="Yoon 윤고딕 530_TT" panose="02090603020101020101" pitchFamily="18" charset="-127"/>
+              </a:rPr>
+              <a:t>(2)</a:t>
+            </a:r>
+          </a:p>
+          <a:p>
+            <a:endParaRPr lang="en-US" altLang="ko-KR" sz="2400" spc="-150" dirty="0" smtClean="0">
+              <a:ln>
+                <a:solidFill>
+                  <a:schemeClr val="accent1">
+                    <a:alpha val="0"/>
+                  </a:schemeClr>
+                </a:solidFill>
+              </a:ln>
+              <a:solidFill>
+                <a:schemeClr val="accent2"/>
+              </a:solidFill>
+              <a:latin typeface="Yoon 윤고딕 530_TT" panose="02090603020101020101" pitchFamily="18" charset="-127"/>
+              <a:ea typeface="Yoon 윤고딕 530_TT" panose="02090603020101020101" pitchFamily="18" charset="-127"/>
+            </a:endParaRPr>
+          </a:p>
+        </p:txBody>
+      </p:sp>
+      <p:pic>
+        <p:nvPicPr>
+          <p:cNvPr id="2" name="그림 1"/>
+          <p:cNvPicPr>
+            <a:picLocks noChangeAspect="1"/>
+          </p:cNvPicPr>
+          <p:nvPr/>
+        </p:nvPicPr>
+        <p:blipFill>
+          <a:blip r:embed="rId2">
+            <a:extLst>
+              <a:ext uri="{28A0092B-C50C-407E-A947-70E740481C1C}">
+                <a14:useLocalDpi xmlns:a14="http://schemas.microsoft.com/office/drawing/2010/main" val="0"/>
+              </a:ext>
+            </a:extLst>
+          </a:blip>
+          <a:stretch>
+            <a:fillRect/>
+          </a:stretch>
+        </p:blipFill>
+        <p:spPr>
+          <a:xfrm>
+            <a:off x="3058270" y="1844824"/>
+            <a:ext cx="5295856" cy="2979802"/>
+          </a:xfrm>
+          <a:prstGeom prst="rect">
+            <a:avLst/>
+          </a:prstGeom>
+        </p:spPr>
+      </p:pic>
+    </p:spTree>
+    <p:extLst>
+      <p:ext uri="{BB962C8B-B14F-4D97-AF65-F5344CB8AC3E}">
+        <p14:creationId xmlns:p14="http://schemas.microsoft.com/office/powerpoint/2010/main" val="3783704309"/>
+      </p:ext>
+    </p:extLst>
+  </p:cSld>
+  <p:clrMapOvr>
+    <a:masterClrMapping/>
+  </p:clrMapOvr>
+  <p:timing>
+    <p:tnLst>
+      <p:par>
+        <p:cTn id="1" dur="indefinite" restart="never" nodeType="tmRoot"/>
+      </p:par>
+    </p:tnLst>
+  </p:timing>
+</p:sld>
+</file>
+
+<file path=ppt/slides/slide13.xml><?xml version="1.0" encoding="utf-8"?>
+<p:sld xmlns:a="http://schemas.openxmlformats.org/drawingml/2006/main" xmlns:r="http://schemas.openxmlformats.org/officeDocument/2006/relationships" xmlns:p="http://schemas.openxmlformats.org/presentationml/2006/main">
+  <p:cSld>
+    <p:spTree>
+      <p:nvGrpSpPr>
+        <p:cNvPr id="1" name=""/>
+        <p:cNvGrpSpPr/>
+        <p:nvPr/>
+      </p:nvGrpSpPr>
+      <p:grpSpPr>
+        <a:xfrm>
+          <a:off x="0" y="0"/>
+          <a:ext cx="0" cy="0"/>
+          <a:chOff x="0" y="0"/>
+          <a:chExt cx="0" cy="0"/>
+        </a:xfrm>
+      </p:grpSpPr>
+      <p:sp>
+        <p:nvSpPr>
+          <p:cNvPr id="9" name="직사각형 8"/>
+          <p:cNvSpPr/>
+          <p:nvPr/>
+        </p:nvSpPr>
+        <p:spPr>
+          <a:xfrm>
+            <a:off x="11022294" y="0"/>
+            <a:ext cx="1166428" cy="260648"/>
+          </a:xfrm>
+          <a:prstGeom prst="rect">
+            <a:avLst/>
+          </a:prstGeom>
+        </p:spPr>
+        <p:style>
+          <a:lnRef idx="1">
+            <a:schemeClr val="accent6"/>
+          </a:lnRef>
+          <a:fillRef idx="3">
+            <a:schemeClr val="accent6"/>
+          </a:fillRef>
+          <a:effectRef idx="2">
+            <a:schemeClr val="accent6"/>
+          </a:effectRef>
+          <a:fontRef idx="minor">
+            <a:schemeClr val="lt1"/>
+          </a:fontRef>
+        </p:style>
+        <p:txBody>
+          <a:bodyPr rtlCol="0" anchor="ctr"/>
+          <a:lstStyle/>
+          <a:p>
+            <a:pPr algn="ctr"/>
+            <a:r>
+              <a:rPr lang="ko-KR" altLang="en-US" sz="1000" dirty="0" smtClean="0"/>
+              <a:t>동영상 </a:t>
+            </a:r>
+            <a:r>
+              <a:rPr lang="ko-KR" altLang="en-US" sz="1000" smtClean="0"/>
+              <a:t>강의 </a:t>
+            </a:r>
+            <a:r>
+              <a:rPr lang="en-US" altLang="ko-KR" sz="1000" smtClean="0"/>
+              <a:t>6-5</a:t>
+            </a:r>
+            <a:endParaRPr lang="ko-KR" altLang="en-US" sz="1000" dirty="0"/>
+          </a:p>
+        </p:txBody>
+      </p:sp>
+      <p:sp>
+        <p:nvSpPr>
+          <p:cNvPr id="12" name="TextBox 11"/>
+          <p:cNvSpPr txBox="1"/>
+          <p:nvPr/>
+        </p:nvSpPr>
+        <p:spPr>
+          <a:xfrm>
+            <a:off x="2711624" y="720569"/>
+            <a:ext cx="8640960" cy="800219"/>
+          </a:xfrm>
+          <a:prstGeom prst="rect">
+            <a:avLst/>
+          </a:prstGeom>
+          <a:noFill/>
+        </p:spPr>
+        <p:txBody>
+          <a:bodyPr wrap="square" tIns="0" bIns="0" rtlCol="0">
+            <a:spAutoFit/>
+          </a:bodyPr>
+          <a:lstStyle/>
+          <a:p>
+            <a:r>
+              <a:rPr lang="ko-KR" altLang="en-US" sz="2800" smtClean="0">
+                <a:ln>
+                  <a:solidFill>
+                    <a:schemeClr val="accent1">
+                      <a:alpha val="0"/>
+                    </a:schemeClr>
+                  </a:solidFill>
+                </a:ln>
+                <a:solidFill>
+                  <a:schemeClr val="accent2"/>
+                </a:solidFill>
+                <a:latin typeface="Yoon 윤고딕 530_TT" panose="02090603020101020101" pitchFamily="18" charset="-127"/>
+                <a:ea typeface="Yoon 윤고딕 530_TT" panose="02090603020101020101" pitchFamily="18" charset="-127"/>
+              </a:rPr>
+              <a:t>추천 학습 내용</a:t>
+            </a:r>
+            <a:r>
+              <a:rPr lang="en-US" altLang="ko-KR" sz="2800" smtClean="0">
+                <a:ln>
+                  <a:solidFill>
+                    <a:schemeClr val="accent1">
+                      <a:alpha val="0"/>
+                    </a:schemeClr>
+                  </a:solidFill>
+                </a:ln>
+                <a:solidFill>
+                  <a:schemeClr val="accent2"/>
+                </a:solidFill>
+                <a:latin typeface="Yoon 윤고딕 530_TT" panose="02090603020101020101" pitchFamily="18" charset="-127"/>
+                <a:ea typeface="Yoon 윤고딕 530_TT" panose="02090603020101020101" pitchFamily="18" charset="-127"/>
+              </a:rPr>
+              <a:t>(3)</a:t>
+            </a:r>
+          </a:p>
+          <a:p>
+            <a:endParaRPr lang="en-US" altLang="ko-KR" sz="2400" spc="-150" dirty="0" smtClean="0">
+              <a:ln>
+                <a:solidFill>
+                  <a:schemeClr val="accent1">
+                    <a:alpha val="0"/>
+                  </a:schemeClr>
+                </a:solidFill>
+              </a:ln>
+              <a:solidFill>
+                <a:schemeClr val="accent2"/>
+              </a:solidFill>
+              <a:latin typeface="Yoon 윤고딕 530_TT" panose="02090603020101020101" pitchFamily="18" charset="-127"/>
+              <a:ea typeface="Yoon 윤고딕 530_TT" panose="02090603020101020101" pitchFamily="18" charset="-127"/>
+            </a:endParaRPr>
+          </a:p>
+        </p:txBody>
+      </p:sp>
+      <p:pic>
+        <p:nvPicPr>
+          <p:cNvPr id="2" name="그림 1"/>
+          <p:cNvPicPr>
+            <a:picLocks noChangeAspect="1"/>
+          </p:cNvPicPr>
+          <p:nvPr/>
+        </p:nvPicPr>
+        <p:blipFill>
+          <a:blip r:embed="rId2" cstate="print">
+            <a:extLst>
+              <a:ext uri="{28A0092B-C50C-407E-A947-70E740481C1C}">
+                <a14:useLocalDpi xmlns:a14="http://schemas.microsoft.com/office/drawing/2010/main" val="0"/>
+              </a:ext>
+            </a:extLst>
+          </a:blip>
+          <a:stretch>
+            <a:fillRect/>
+          </a:stretch>
+        </p:blipFill>
+        <p:spPr>
+          <a:xfrm>
+            <a:off x="3058270" y="1948799"/>
+            <a:ext cx="5295856" cy="2771851"/>
+          </a:xfrm>
+          <a:prstGeom prst="rect">
+            <a:avLst/>
+          </a:prstGeom>
+        </p:spPr>
+      </p:pic>
+    </p:spTree>
+    <p:extLst>
+      <p:ext uri="{BB962C8B-B14F-4D97-AF65-F5344CB8AC3E}">
+        <p14:creationId xmlns:p14="http://schemas.microsoft.com/office/powerpoint/2010/main" val="2575398215"/>
+      </p:ext>
+    </p:extLst>
+  </p:cSld>
+  <p:clrMapOvr>
+    <a:masterClrMapping/>
+  </p:clrMapOvr>
+  <p:timing>
+    <p:tnLst>
+      <p:par>
+        <p:cTn id="1" dur="indefinite" restart="never" nodeType="tmRoot"/>
+      </p:par>
+    </p:tnLst>
+  </p:timing>
+</p:sld>
+</file>
+
+<file path=ppt/slides/slide14.xml><?xml version="1.0" encoding="utf-8"?>
+<p:sld xmlns:a="http://schemas.openxmlformats.org/drawingml/2006/main" xmlns:r="http://schemas.openxmlformats.org/officeDocument/2006/relationships" xmlns:p="http://schemas.openxmlformats.org/presentationml/2006/main">
+  <p:cSld>
+    <p:spTree>
+      <p:nvGrpSpPr>
+        <p:cNvPr id="1" name=""/>
+        <p:cNvGrpSpPr/>
+        <p:nvPr/>
+      </p:nvGrpSpPr>
+      <p:grpSpPr>
+        <a:xfrm>
+          <a:off x="0" y="0"/>
+          <a:ext cx="0" cy="0"/>
+          <a:chOff x="0" y="0"/>
+          <a:chExt cx="0" cy="0"/>
+        </a:xfrm>
+      </p:grpSpPr>
+      <p:sp>
+        <p:nvSpPr>
+          <p:cNvPr id="9" name="직사각형 8"/>
+          <p:cNvSpPr/>
+          <p:nvPr/>
+        </p:nvSpPr>
+        <p:spPr>
+          <a:xfrm>
+            <a:off x="11022294" y="0"/>
+            <a:ext cx="1166428" cy="260648"/>
+          </a:xfrm>
+          <a:prstGeom prst="rect">
+            <a:avLst/>
+          </a:prstGeom>
+        </p:spPr>
+        <p:style>
+          <a:lnRef idx="1">
+            <a:schemeClr val="accent6"/>
+          </a:lnRef>
+          <a:fillRef idx="3">
+            <a:schemeClr val="accent6"/>
+          </a:fillRef>
+          <a:effectRef idx="2">
+            <a:schemeClr val="accent6"/>
+          </a:effectRef>
+          <a:fontRef idx="minor">
+            <a:schemeClr val="lt1"/>
+          </a:fontRef>
+        </p:style>
+        <p:txBody>
+          <a:bodyPr rtlCol="0" anchor="ctr"/>
+          <a:lstStyle/>
+          <a:p>
+            <a:pPr algn="ctr"/>
+            <a:r>
+              <a:rPr lang="ko-KR" altLang="en-US" sz="1000" dirty="0" smtClean="0"/>
+              <a:t>동영상 </a:t>
+            </a:r>
+            <a:r>
+              <a:rPr lang="ko-KR" altLang="en-US" sz="1000" smtClean="0"/>
+              <a:t>강의 </a:t>
+            </a:r>
+            <a:r>
+              <a:rPr lang="en-US" altLang="ko-KR" sz="1000" smtClean="0"/>
+              <a:t>6-5</a:t>
+            </a:r>
+            <a:endParaRPr lang="ko-KR" altLang="en-US" sz="1000" dirty="0"/>
+          </a:p>
+        </p:txBody>
+      </p:sp>
+      <p:sp>
+        <p:nvSpPr>
+          <p:cNvPr id="12" name="TextBox 11"/>
+          <p:cNvSpPr txBox="1"/>
+          <p:nvPr/>
+        </p:nvSpPr>
+        <p:spPr>
+          <a:xfrm>
+            <a:off x="2711624" y="720569"/>
+            <a:ext cx="8640960" cy="800219"/>
+          </a:xfrm>
+          <a:prstGeom prst="rect">
+            <a:avLst/>
+          </a:prstGeom>
+          <a:noFill/>
+        </p:spPr>
+        <p:txBody>
+          <a:bodyPr wrap="square" tIns="0" bIns="0" rtlCol="0">
+            <a:spAutoFit/>
+          </a:bodyPr>
+          <a:lstStyle/>
+          <a:p>
+            <a:r>
+              <a:rPr lang="ko-KR" altLang="en-US" sz="2800" smtClean="0">
+                <a:ln>
+                  <a:solidFill>
+                    <a:schemeClr val="accent1">
+                      <a:alpha val="0"/>
+                    </a:schemeClr>
+                  </a:solidFill>
+                </a:ln>
+                <a:solidFill>
+                  <a:schemeClr val="accent2"/>
+                </a:solidFill>
+                <a:latin typeface="Yoon 윤고딕 530_TT" panose="02090603020101020101" pitchFamily="18" charset="-127"/>
+                <a:ea typeface="Yoon 윤고딕 530_TT" panose="02090603020101020101" pitchFamily="18" charset="-127"/>
+              </a:rPr>
+              <a:t>추천 학습 내용</a:t>
+            </a:r>
+            <a:r>
+              <a:rPr lang="en-US" altLang="ko-KR" sz="2800" smtClean="0">
+                <a:ln>
+                  <a:solidFill>
+                    <a:schemeClr val="accent1">
+                      <a:alpha val="0"/>
+                    </a:schemeClr>
+                  </a:solidFill>
+                </a:ln>
+                <a:solidFill>
+                  <a:schemeClr val="accent2"/>
+                </a:solidFill>
+                <a:latin typeface="Yoon 윤고딕 530_TT" panose="02090603020101020101" pitchFamily="18" charset="-127"/>
+                <a:ea typeface="Yoon 윤고딕 530_TT" panose="02090603020101020101" pitchFamily="18" charset="-127"/>
+              </a:rPr>
+              <a:t>(4)</a:t>
+            </a:r>
           </a:p>
           <a:p>
             <a:endParaRPr lang="en-US" altLang="ko-KR" sz="2400" spc="-150" dirty="0" smtClean="0">
@@ -4264,6 +5333,40 @@
           <a:lstStyle/>
           <a:p>
             <a:r>
+              <a:rPr lang="ko-KR" altLang="en-US" sz="2800">
+                <a:ln>
+                  <a:solidFill>
+                    <a:schemeClr val="accent1">
+                      <a:alpha val="0"/>
+                    </a:schemeClr>
+                  </a:solidFill>
+                </a:ln>
+                <a:solidFill>
+                  <a:schemeClr val="accent2"/>
+                </a:solidFill>
+                <a:latin typeface="SpoqaHanSans-Regular" panose="020B0500000000000000" pitchFamily="50" charset="-127"/>
+                <a:ea typeface="SpoqaHanSans-Regular" panose="020B0500000000000000" pitchFamily="50" charset="-127"/>
+              </a:rPr>
+              <a:t>여기서 잠깐</a:t>
+            </a:r>
+            <a:r>
+              <a:rPr lang="en-US" altLang="ko-KR" sz="2800">
+                <a:ln>
+                  <a:solidFill>
+                    <a:schemeClr val="accent1">
+                      <a:alpha val="0"/>
+                    </a:schemeClr>
+                  </a:solidFill>
+                </a:ln>
+                <a:solidFill>
+                  <a:schemeClr val="accent2"/>
+                </a:solidFill>
+                <a:latin typeface="SpoqaHanSans-Regular" panose="020B0500000000000000" pitchFamily="50" charset="-127"/>
+                <a:ea typeface="SpoqaHanSans-Regular" panose="020B0500000000000000" pitchFamily="50" charset="-127"/>
+              </a:rPr>
+              <a:t>! </a:t>
+            </a:r>
+            <a:r>
               <a:rPr lang="ko-KR" altLang="en-US" sz="2800" smtClean="0">
                 <a:ln>
                   <a:solidFill>
@@ -4275,12 +5378,79 @@
                 <a:solidFill>
                   <a:schemeClr val="accent2"/>
                 </a:solidFill>
-                <a:latin typeface="Yoon 윤고딕 530_TT" panose="02090603020101020101" pitchFamily="18" charset="-127"/>
-                <a:ea typeface="Yoon 윤고딕 530_TT" panose="02090603020101020101" pitchFamily="18" charset="-127"/>
-              </a:rPr>
-              <a:t>강의 마무리 및 요약 정리</a:t>
-            </a:r>
-            <a:endParaRPr lang="en-US" altLang="ko-KR" sz="2800" smtClean="0">
+                <a:latin typeface="SpoqaHanSans-Regular" panose="020B0500000000000000" pitchFamily="50" charset="-127"/>
+                <a:ea typeface="SpoqaHanSans-Regular" panose="020B0500000000000000" pitchFamily="50" charset="-127"/>
+              </a:rPr>
+              <a:t>파이썬 쓰레드</a:t>
+            </a:r>
+            <a:r>
+              <a:rPr lang="en-US" altLang="ko-KR" sz="2800" smtClean="0">
+                <a:ln>
+                  <a:solidFill>
+                    <a:schemeClr val="accent1">
+                      <a:alpha val="0"/>
+                    </a:schemeClr>
+                  </a:solidFill>
+                </a:ln>
+                <a:solidFill>
+                  <a:schemeClr val="accent2"/>
+                </a:solidFill>
+                <a:latin typeface="SpoqaHanSans-Regular" panose="020B0500000000000000" pitchFamily="50" charset="-127"/>
+                <a:ea typeface="SpoqaHanSans-Regular" panose="020B0500000000000000" pitchFamily="50" charset="-127"/>
+              </a:rPr>
+              <a:t>(Threading) </a:t>
+            </a:r>
+            <a:r>
+              <a:rPr lang="ko-KR" altLang="en-US" sz="2800" smtClean="0">
+                <a:ln>
+                  <a:solidFill>
+                    <a:schemeClr val="accent1">
+                      <a:alpha val="0"/>
+                    </a:schemeClr>
+                  </a:solidFill>
+                </a:ln>
+                <a:solidFill>
+                  <a:schemeClr val="accent2"/>
+                </a:solidFill>
+                <a:latin typeface="SpoqaHanSans-Regular" panose="020B0500000000000000" pitchFamily="50" charset="-127"/>
+                <a:ea typeface="SpoqaHanSans-Regular" panose="020B0500000000000000" pitchFamily="50" charset="-127"/>
+              </a:rPr>
+              <a:t>알아보기</a:t>
+            </a:r>
+            <a:r>
+              <a:rPr lang="en-US" altLang="ko-KR" sz="2800">
+                <a:ln>
+                  <a:solidFill>
+                    <a:schemeClr val="accent1">
+                      <a:alpha val="0"/>
+                    </a:schemeClr>
+                  </a:solidFill>
+                </a:ln>
+                <a:solidFill>
+                  <a:schemeClr val="accent2"/>
+                </a:solidFill>
+                <a:latin typeface="SpoqaHanSans-Regular" panose="020B0500000000000000" pitchFamily="50" charset="-127"/>
+                <a:ea typeface="SpoqaHanSans-Regular" panose="020B0500000000000000" pitchFamily="50" charset="-127"/>
+              </a:rPr>
+              <a:t/>
+            </a:r>
+            <a:br>
+              <a:rPr lang="en-US" altLang="ko-KR" sz="2800">
+                <a:ln>
+                  <a:solidFill>
+                    <a:schemeClr val="accent1">
+                      <a:alpha val="0"/>
+                    </a:schemeClr>
+                  </a:solidFill>
+                </a:ln>
+                <a:solidFill>
+                  <a:schemeClr val="accent2"/>
+                </a:solidFill>
+                <a:latin typeface="SpoqaHanSans-Regular" panose="020B0500000000000000" pitchFamily="50" charset="-127"/>
+                <a:ea typeface="SpoqaHanSans-Regular" panose="020B0500000000000000" pitchFamily="50" charset="-127"/>
+              </a:rPr>
+            </a:br>
+            <a:endParaRPr lang="en-US" altLang="ko-KR" sz="2400" spc="-150" dirty="0" smtClean="0">
               <a:ln>
                 <a:solidFill>
                   <a:schemeClr val="accent1">
@@ -4291,24 +5461,8 @@
               <a:solidFill>
                 <a:schemeClr val="accent2"/>
               </a:solidFill>
-              <a:latin typeface="Yoon 윤고딕 530_TT" panose="02090603020101020101" pitchFamily="18" charset="-127"/>
-              <a:ea typeface="Yoon 윤고딕 530_TT" panose="02090603020101020101" pitchFamily="18" charset="-127"/>
-            </a:endParaRPr>
-          </a:p>
-          <a:p>
-            <a:endParaRPr lang="en-US" altLang="ko-KR" sz="2400" spc="-150" dirty="0" smtClean="0">
-              <a:ln>
-                <a:solidFill>
-                  <a:schemeClr val="accent1">
-                    <a:alpha val="0"/>
-                  </a:schemeClr>
-                </a:solidFill>
-              </a:ln>
-              <a:solidFill>
-                <a:schemeClr val="accent2"/>
-              </a:solidFill>
-              <a:latin typeface="Yoon 윤고딕 530_TT" panose="02090603020101020101" pitchFamily="18" charset="-127"/>
-              <a:ea typeface="Yoon 윤고딕 530_TT" panose="02090603020101020101" pitchFamily="18" charset="-127"/>
+              <a:latin typeface="SpoqaHanSans-Regular" panose="020B0500000000000000" pitchFamily="50" charset="-127"/>
+              <a:ea typeface="SpoqaHanSans-Regular" panose="020B0500000000000000" pitchFamily="50" charset="-127"/>
             </a:endParaRPr>
           </a:p>
           <a:p>
@@ -4372,7 +5526,7 @@
         <p:spPr>
           <a:xfrm>
             <a:off x="2711624" y="1844824"/>
-            <a:ext cx="8712968" cy="3970318"/>
+            <a:ext cx="8712968" cy="3877985"/>
           </a:xfrm>
           <a:prstGeom prst="rect">
             <a:avLst/>
@@ -4407,6 +5561,17 @@
               </a:lnSpc>
             </a:pPr>
             <a:r>
+              <a:rPr lang="en-US" altLang="ko-KR" sz="2000">
+                <a:solidFill>
+                  <a:schemeClr val="accent3">
+                    <a:lumMod val="50000"/>
+                  </a:schemeClr>
+                </a:solidFill>
+                <a:latin typeface="+mj-ea"/>
+              </a:rPr>
+              <a:t>1. </a:t>
+            </a:r>
+            <a:r>
               <a:rPr lang="ko-KR" altLang="en-US" sz="2000" smtClean="0">
                 <a:solidFill>
                   <a:schemeClr val="accent3">
@@ -4415,8 +5580,203 @@
                 </a:solidFill>
                 <a:latin typeface="+mj-ea"/>
               </a:rPr>
-              <a:t>요약 정리 및 추가 학습 방법 설명</a:t>
-            </a:r>
+              <a:t>쓰레드 및 멀티쓰레딩 개요</a:t>
+            </a:r>
+            <a:r>
+              <a:rPr lang="en-US" altLang="ko-KR" sz="2000" smtClean="0">
+                <a:solidFill>
+                  <a:schemeClr val="accent3">
+                    <a:lumMod val="50000"/>
+                  </a:schemeClr>
+                </a:solidFill>
+                <a:latin typeface="+mj-ea"/>
+              </a:rPr>
+              <a:t/>
+            </a:r>
+            <a:br>
+              <a:rPr lang="en-US" altLang="ko-KR" sz="2000" smtClean="0">
+                <a:solidFill>
+                  <a:schemeClr val="accent3">
+                    <a:lumMod val="50000"/>
+                  </a:schemeClr>
+                </a:solidFill>
+                <a:latin typeface="+mj-ea"/>
+              </a:rPr>
+            </a:br>
+            <a:r>
+              <a:rPr lang="en-US" altLang="ko-KR" sz="2000" smtClean="0">
+                <a:solidFill>
+                  <a:schemeClr val="accent3">
+                    <a:lumMod val="50000"/>
+                  </a:schemeClr>
+                </a:solidFill>
+                <a:latin typeface="+mj-ea"/>
+              </a:rPr>
+              <a:t>2</a:t>
+            </a:r>
+            <a:r>
+              <a:rPr lang="en-US" altLang="ko-KR" sz="2000">
+                <a:solidFill>
+                  <a:schemeClr val="accent3">
+                    <a:lumMod val="50000"/>
+                  </a:schemeClr>
+                </a:solidFill>
+                <a:latin typeface="+mj-ea"/>
+              </a:rPr>
+              <a:t>.</a:t>
+            </a:r>
+            <a:r>
+              <a:rPr lang="ko-KR" altLang="en-US" sz="2000">
+                <a:solidFill>
+                  <a:schemeClr val="accent3">
+                    <a:lumMod val="50000"/>
+                  </a:schemeClr>
+                </a:solidFill>
+                <a:latin typeface="+mj-ea"/>
+              </a:rPr>
+              <a:t> </a:t>
+            </a:r>
+            <a:r>
+              <a:rPr lang="ko-KR" altLang="en-US" sz="2000" smtClean="0">
+                <a:solidFill>
+                  <a:schemeClr val="accent3">
+                    <a:lumMod val="50000"/>
+                  </a:schemeClr>
+                </a:solidFill>
+                <a:latin typeface="+mj-ea"/>
+              </a:rPr>
+              <a:t>쓰레드 </a:t>
+            </a:r>
+            <a:r>
+              <a:rPr lang="en-US" altLang="ko-KR" sz="2000" smtClean="0">
+                <a:solidFill>
+                  <a:schemeClr val="accent3">
+                    <a:lumMod val="50000"/>
+                  </a:schemeClr>
+                </a:solidFill>
+                <a:latin typeface="+mj-ea"/>
+              </a:rPr>
+              <a:t>vs</a:t>
+            </a:r>
+            <a:r>
+              <a:rPr lang="ko-KR" altLang="en-US" sz="2000" smtClean="0">
+                <a:solidFill>
+                  <a:schemeClr val="accent3">
+                    <a:lumMod val="50000"/>
+                  </a:schemeClr>
+                </a:solidFill>
+                <a:latin typeface="+mj-ea"/>
+              </a:rPr>
+              <a:t> 프로세스</a:t>
+            </a:r>
+            <a:r>
+              <a:rPr lang="en-US" altLang="ko-KR" sz="2000" smtClean="0">
+                <a:solidFill>
+                  <a:schemeClr val="accent3">
+                    <a:lumMod val="50000"/>
+                  </a:schemeClr>
+                </a:solidFill>
+                <a:latin typeface="+mj-ea"/>
+              </a:rPr>
+              <a:t/>
+            </a:r>
+            <a:br>
+              <a:rPr lang="en-US" altLang="ko-KR" sz="2000" smtClean="0">
+                <a:solidFill>
+                  <a:schemeClr val="accent3">
+                    <a:lumMod val="50000"/>
+                  </a:schemeClr>
+                </a:solidFill>
+                <a:latin typeface="+mj-ea"/>
+              </a:rPr>
+            </a:br>
+            <a:r>
+              <a:rPr lang="en-US" altLang="ko-KR" sz="2000" smtClean="0">
+                <a:solidFill>
+                  <a:schemeClr val="accent3">
+                    <a:lumMod val="50000"/>
+                  </a:schemeClr>
+                </a:solidFill>
+                <a:latin typeface="+mj-ea"/>
+              </a:rPr>
+              <a:t>3</a:t>
+            </a:r>
+            <a:r>
+              <a:rPr lang="en-US" altLang="ko-KR" sz="2000">
+                <a:solidFill>
+                  <a:schemeClr val="accent3">
+                    <a:lumMod val="50000"/>
+                  </a:schemeClr>
+                </a:solidFill>
+                <a:latin typeface="+mj-ea"/>
+              </a:rPr>
+              <a:t>.</a:t>
+            </a:r>
+            <a:r>
+              <a:rPr lang="ko-KR" altLang="en-US" sz="2000">
+                <a:solidFill>
+                  <a:schemeClr val="accent3">
+                    <a:lumMod val="50000"/>
+                  </a:schemeClr>
+                </a:solidFill>
+                <a:latin typeface="+mj-ea"/>
+              </a:rPr>
+              <a:t> </a:t>
+            </a:r>
+            <a:r>
+              <a:rPr lang="ko-KR" altLang="en-US" sz="2000" smtClean="0">
+                <a:solidFill>
+                  <a:schemeClr val="accent3">
+                    <a:lumMod val="50000"/>
+                  </a:schemeClr>
+                </a:solidFill>
+                <a:latin typeface="+mj-ea"/>
+              </a:rPr>
+              <a:t>파이썬 </a:t>
+            </a:r>
+            <a:r>
+              <a:rPr lang="en-US" altLang="ko-KR" sz="2000" smtClean="0">
+                <a:solidFill>
+                  <a:schemeClr val="accent3">
+                    <a:lumMod val="50000"/>
+                  </a:schemeClr>
+                </a:solidFill>
+                <a:latin typeface="+mj-ea"/>
+              </a:rPr>
+              <a:t>Threading </a:t>
+            </a:r>
+            <a:r>
+              <a:rPr lang="ko-KR" altLang="en-US" sz="2000" smtClean="0">
+                <a:solidFill>
+                  <a:schemeClr val="accent3">
+                    <a:lumMod val="50000"/>
+                  </a:schemeClr>
+                </a:solidFill>
+                <a:latin typeface="+mj-ea"/>
+              </a:rPr>
+              <a:t>예제 작성 및 실습</a:t>
+            </a:r>
+            <a:r>
+              <a:rPr lang="en-US" altLang="ko-KR" sz="2000" smtClean="0">
+                <a:solidFill>
+                  <a:schemeClr val="accent3">
+                    <a:lumMod val="50000"/>
+                  </a:schemeClr>
+                </a:solidFill>
+                <a:latin typeface="+mj-ea"/>
+              </a:rPr>
+              <a:t/>
+            </a:r>
+            <a:br>
+              <a:rPr lang="en-US" altLang="ko-KR" sz="2000" smtClean="0">
+                <a:solidFill>
+                  <a:schemeClr val="accent3">
+                    <a:lumMod val="50000"/>
+                  </a:schemeClr>
+                </a:solidFill>
+                <a:latin typeface="+mj-ea"/>
+              </a:rPr>
+            </a:br>
             <a:endParaRPr lang="en-US" altLang="ko-KR" sz="2000" smtClean="0">
               <a:solidFill>
                 <a:schemeClr val="accent3">
@@ -4433,18 +5793,18 @@
               </a:lnSpc>
             </a:pPr>
             <a:r>
-              <a:rPr lang="ko-KR" altLang="en-US" sz="2000" smtClean="0">
-                <a:solidFill>
-                  <a:schemeClr val="accent3">
-                    <a:lumMod val="50000"/>
-                  </a:schemeClr>
-                </a:solidFill>
-                <a:latin typeface="+mj-ea"/>
-              </a:rPr>
-              <a:t>부록 </a:t>
-            </a:r>
-            <a:r>
-              <a:rPr lang="en-US" altLang="ko-KR" sz="2000" smtClean="0">
+              <a:rPr lang="en-US" altLang="ko-KR" smtClean="0">
+                <a:solidFill>
+                  <a:schemeClr val="accent3">
+                    <a:lumMod val="50000"/>
+                  </a:schemeClr>
+                </a:solidFill>
+                <a:latin typeface="+mj-ea"/>
+              </a:rPr>
+              <a:t>threading </a:t>
+            </a:r>
+            <a:r>
+              <a:rPr lang="en-US" altLang="ko-KR">
                 <a:solidFill>
                   <a:schemeClr val="accent3">
                     <a:lumMod val="50000"/>
@@ -4455,17 +5815,30 @@
               <a:t>: </a:t>
             </a:r>
             <a:r>
-              <a:rPr lang="ko-KR" altLang="en-US" sz="2000" smtClean="0">
-                <a:solidFill>
-                  <a:schemeClr val="accent3">
-                    <a:lumMod val="50000"/>
-                  </a:schemeClr>
-                </a:solidFill>
-                <a:latin typeface="+mj-ea"/>
-              </a:rPr>
-              <a:t>네이버 연관 검색어 추출기 소스 코드</a:t>
-            </a:r>
-            <a:endParaRPr lang="en-US" altLang="ko-KR" sz="2000">
+              <a:rPr lang="en-US" altLang="ko-KR">
+                <a:solidFill>
+                  <a:schemeClr val="accent3">
+                    <a:lumMod val="50000"/>
+                  </a:schemeClr>
+                </a:solidFill>
+                <a:latin typeface="+mj-ea"/>
+                <a:hlinkClick r:id="rId2"/>
+              </a:rPr>
+              <a:t>https://</a:t>
+            </a:r>
+            <a:r>
+              <a:rPr lang="en-US" altLang="ko-KR" smtClean="0">
+                <a:solidFill>
+                  <a:schemeClr val="accent3">
+                    <a:lumMod val="50000"/>
+                  </a:schemeClr>
+                </a:solidFill>
+                <a:latin typeface="+mj-ea"/>
+                <a:hlinkClick r:id="rId2"/>
+              </a:rPr>
+              <a:t>docs.python.org/3/library/threading.html</a:t>
+            </a:r>
+            <a:endParaRPr lang="en-US" altLang="ko-KR">
               <a:solidFill>
                 <a:schemeClr val="accent3">
                   <a:lumMod val="50000"/>
@@ -4480,34 +5853,41 @@
                 <a:spcPct val="150000"/>
               </a:lnSpc>
             </a:pPr>
-            <a:endParaRPr lang="en-US" altLang="ko-KR" sz="2000" smtClean="0">
-              <a:solidFill>
-                <a:schemeClr val="accent3">
-                  <a:lumMod val="50000"/>
-                </a:schemeClr>
-              </a:solidFill>
-              <a:latin typeface="+mj-ea"/>
-            </a:endParaRPr>
-          </a:p>
-          <a:p>
-            <a:pPr>
-              <a:lnSpc>
-                <a:spcPct val="150000"/>
-              </a:lnSpc>
-            </a:pPr>
-            <a:r>
-              <a:rPr lang="en-US" altLang="ko-KR" sz="2000" smtClean="0">
-                <a:solidFill>
-                  <a:schemeClr val="accent3">
-                    <a:lumMod val="50000"/>
-                  </a:schemeClr>
-                </a:solidFill>
-                <a:latin typeface="+mj-ea"/>
-              </a:rPr>
-              <a:t>PyQT5 </a:t>
-            </a:r>
-            <a:r>
-              <a:rPr lang="en-US" altLang="ko-KR" sz="2000">
+            <a:r>
+              <a:rPr lang="ko-KR" altLang="en-US" smtClean="0">
+                <a:solidFill>
+                  <a:schemeClr val="accent3">
+                    <a:lumMod val="50000"/>
+                  </a:schemeClr>
+                </a:solidFill>
+                <a:latin typeface="+mj-ea"/>
+              </a:rPr>
+              <a:t>쓰레드 </a:t>
+            </a:r>
+            <a:r>
+              <a:rPr lang="en-US" altLang="ko-KR" smtClean="0">
+                <a:solidFill>
+                  <a:schemeClr val="accent3">
+                    <a:lumMod val="50000"/>
+                  </a:schemeClr>
+                </a:solidFill>
+                <a:latin typeface="+mj-ea"/>
+              </a:rPr>
+              <a:t>vs </a:t>
+            </a:r>
+            <a:r>
+              <a:rPr lang="ko-KR" altLang="en-US" smtClean="0">
+                <a:solidFill>
+                  <a:schemeClr val="accent3">
+                    <a:lumMod val="50000"/>
+                  </a:schemeClr>
+                </a:solidFill>
+                <a:latin typeface="+mj-ea"/>
+              </a:rPr>
+              <a:t>프로세스</a:t>
+            </a:r>
+            <a:r>
+              <a:rPr lang="en-US" altLang="ko-KR">
                 <a:solidFill>
                   <a:schemeClr val="accent3">
                     <a:lumMod val="50000"/>
@@ -4518,105 +5898,39 @@
               <a:t>: </a:t>
             </a:r>
             <a:r>
-              <a:rPr lang="en-US" altLang="ko-KR" sz="2000">
-                <a:solidFill>
-                  <a:schemeClr val="accent3">
-                    <a:lumMod val="50000"/>
-                  </a:schemeClr>
-                </a:solidFill>
-                <a:latin typeface="+mj-ea"/>
-                <a:hlinkClick r:id="rId2"/>
-              </a:rPr>
-              <a:t>http://pyqt.sourceforge.net/Docs/PyQt5</a:t>
-            </a:r>
-            <a:r>
-              <a:rPr lang="en-US" altLang="ko-KR" sz="2000" smtClean="0">
-                <a:solidFill>
-                  <a:schemeClr val="accent3">
-                    <a:lumMod val="50000"/>
-                  </a:schemeClr>
-                </a:solidFill>
-                <a:latin typeface="+mj-ea"/>
-                <a:hlinkClick r:id="rId2"/>
+              <a:rPr lang="en-US" altLang="ko-KR">
+                <a:solidFill>
+                  <a:schemeClr val="accent3">
+                    <a:lumMod val="50000"/>
+                  </a:schemeClr>
+                </a:solidFill>
+                <a:latin typeface="+mj-ea"/>
+                <a:hlinkClick r:id="rId3"/>
+              </a:rPr>
+              <a:t>https://magi82.github.io/process-thread</a:t>
+            </a:r>
+            <a:r>
+              <a:rPr lang="en-US" altLang="ko-KR" smtClean="0">
+                <a:solidFill>
+                  <a:schemeClr val="accent3">
+                    <a:lumMod val="50000"/>
+                  </a:schemeClr>
+                </a:solidFill>
+                <a:latin typeface="+mj-ea"/>
+                <a:hlinkClick r:id="rId3"/>
               </a:rPr>
               <a:t>/</a:t>
             </a:r>
-            <a:endParaRPr lang="en-US" altLang="ko-KR" sz="2000" smtClean="0">
-              <a:solidFill>
-                <a:schemeClr val="accent3">
-                  <a:lumMod val="50000"/>
-                </a:schemeClr>
-              </a:solidFill>
-              <a:latin typeface="+mj-ea"/>
-            </a:endParaRPr>
-          </a:p>
-          <a:p>
-            <a:pPr>
-              <a:lnSpc>
-                <a:spcPct val="150000"/>
-              </a:lnSpc>
-            </a:pPr>
-            <a:r>
-              <a:rPr lang="en-US" altLang="ko-KR" sz="2000">
-                <a:solidFill>
-                  <a:schemeClr val="accent3">
-                    <a:lumMod val="50000"/>
-                  </a:schemeClr>
-                </a:solidFill>
-                <a:latin typeface="+mj-ea"/>
-              </a:rPr>
-              <a:t>Qt Designer : http://doc.qt.io/qt-5/qtdesigner-manual.html</a:t>
-            </a:r>
-          </a:p>
-          <a:p>
-            <a:pPr>
-              <a:lnSpc>
-                <a:spcPct val="150000"/>
-              </a:lnSpc>
-            </a:pPr>
-            <a:r>
-              <a:rPr lang="ko-KR" altLang="en-US" sz="2000" smtClean="0">
-                <a:solidFill>
-                  <a:schemeClr val="accent3">
-                    <a:lumMod val="50000"/>
-                  </a:schemeClr>
-                </a:solidFill>
-                <a:latin typeface="+mj-ea"/>
-              </a:rPr>
-              <a:t>수업 </a:t>
-            </a:r>
-            <a:r>
-              <a:rPr lang="ko-KR" altLang="en-US" sz="2000">
-                <a:solidFill>
-                  <a:schemeClr val="accent3">
-                    <a:lumMod val="50000"/>
-                  </a:schemeClr>
-                </a:solidFill>
-                <a:latin typeface="+mj-ea"/>
-              </a:rPr>
-              <a:t>소스 파일 </a:t>
-            </a:r>
-            <a:r>
-              <a:rPr lang="en-US" altLang="ko-KR" sz="2000">
-                <a:solidFill>
-                  <a:schemeClr val="accent3">
-                    <a:lumMod val="50000"/>
-                  </a:schemeClr>
-                </a:solidFill>
-                <a:latin typeface="+mj-ea"/>
-              </a:rPr>
-              <a:t>: https://</a:t>
-            </a:r>
-            <a:r>
-              <a:rPr lang="en-US" altLang="ko-KR" sz="2000" smtClean="0">
-                <a:solidFill>
-                  <a:schemeClr val="accent3">
-                    <a:lumMod val="50000"/>
-                  </a:schemeClr>
-                </a:solidFill>
-                <a:latin typeface="+mj-ea"/>
-              </a:rPr>
-              <a:t>github.com/eunki7/python_create_app_1</a:t>
+            <a:r>
+              <a:rPr lang="en-US" altLang="ko-KR" smtClean="0">
+                <a:solidFill>
+                  <a:schemeClr val="accent3">
+                    <a:lumMod val="50000"/>
+                  </a:schemeClr>
+                </a:solidFill>
+                <a:latin typeface="+mj-ea"/>
+              </a:rPr>
+              <a:t>  </a:t>
             </a:r>
             <a:r>
               <a:rPr lang="en-US" altLang="ko-KR" sz="2000" smtClean="0">
@@ -4656,7 +5970,7 @@
     </p:spTree>
     <p:extLst>
       <p:ext uri="{BB962C8B-B14F-4D97-AF65-F5344CB8AC3E}">
-        <p14:creationId xmlns:p14="http://schemas.microsoft.com/office/powerpoint/2010/main" val="3932629004"/>
+        <p14:creationId xmlns:p14="http://schemas.microsoft.com/office/powerpoint/2010/main" val="3826547771"/>
       </p:ext>
     </p:extLst>
   </p:cSld>
@@ -4763,6 +6077,23 @@
           <a:lstStyle/>
           <a:p>
             <a:r>
+              <a:rPr lang="en-US" altLang="ko-KR" sz="2800" smtClean="0">
+                <a:ln>
+                  <a:solidFill>
+                    <a:schemeClr val="accent1">
+                      <a:alpha val="0"/>
+                    </a:schemeClr>
+                  </a:solidFill>
+                </a:ln>
+                <a:solidFill>
+                  <a:schemeClr val="accent2"/>
+                </a:solidFill>
+                <a:latin typeface="SpoqaHanSans-Regular" panose="020B0500000000000000" pitchFamily="50" charset="-127"/>
+                <a:ea typeface="SpoqaHanSans-Regular" panose="020B0500000000000000" pitchFamily="50" charset="-127"/>
+              </a:rPr>
+              <a:t>Thread </a:t>
+            </a:r>
+            <a:r>
               <a:rPr lang="ko-KR" altLang="en-US" sz="2800" smtClean="0">
                 <a:ln>
                   <a:solidFill>
@@ -4774,10 +6105,10 @@
                 <a:solidFill>
                   <a:schemeClr val="accent2"/>
                 </a:solidFill>
-                <a:latin typeface="Yoon 윤고딕 530_TT" panose="02090603020101020101" pitchFamily="18" charset="-127"/>
-                <a:ea typeface="Yoon 윤고딕 530_TT" panose="02090603020101020101" pitchFamily="18" charset="-127"/>
-              </a:rPr>
-              <a:t>추천 학습 내용</a:t>
+                <a:latin typeface="SpoqaHanSans-Regular" panose="020B0500000000000000" pitchFamily="50" charset="-127"/>
+                <a:ea typeface="SpoqaHanSans-Regular" panose="020B0500000000000000" pitchFamily="50" charset="-127"/>
+              </a:rPr>
+              <a:t>및 </a:t>
             </a:r>
             <a:r>
               <a:rPr lang="en-US" altLang="ko-KR" sz="2800" smtClean="0">
@@ -4791,12 +6122,45 @@
                 <a:solidFill>
                   <a:schemeClr val="accent2"/>
                 </a:solidFill>
-                <a:latin typeface="Yoon 윤고딕 530_TT" panose="02090603020101020101" pitchFamily="18" charset="-127"/>
-                <a:ea typeface="Yoon 윤고딕 530_TT" panose="02090603020101020101" pitchFamily="18" charset="-127"/>
-              </a:rPr>
-              <a:t>(1)</a:t>
+                <a:latin typeface="SpoqaHanSans-Regular" panose="020B0500000000000000" pitchFamily="50" charset="-127"/>
+                <a:ea typeface="SpoqaHanSans-Regular" panose="020B0500000000000000" pitchFamily="50" charset="-127"/>
+              </a:rPr>
+              <a:t>Multi Thread </a:t>
+            </a:r>
+            <a:r>
+              <a:rPr lang="ko-KR" altLang="en-US" sz="2800" smtClean="0">
+                <a:ln>
+                  <a:solidFill>
+                    <a:schemeClr val="accent1">
+                      <a:alpha val="0"/>
+                    </a:schemeClr>
+                  </a:solidFill>
+                </a:ln>
+                <a:solidFill>
+                  <a:schemeClr val="accent2"/>
+                </a:solidFill>
+                <a:latin typeface="SpoqaHanSans-Regular" panose="020B0500000000000000" pitchFamily="50" charset="-127"/>
+                <a:ea typeface="SpoqaHanSans-Regular" panose="020B0500000000000000" pitchFamily="50" charset="-127"/>
+              </a:rPr>
+              <a:t>개요</a:t>
             </a:r>
             <a:endParaRPr lang="en-US" altLang="ko-KR" sz="2800" smtClean="0">
+              <a:ln>
+                <a:solidFill>
+                  <a:schemeClr val="accent1">
+                    <a:alpha val="0"/>
+                  </a:schemeClr>
+                </a:solidFill>
+              </a:ln>
+              <a:solidFill>
+                <a:schemeClr val="accent2"/>
+              </a:solidFill>
+              <a:latin typeface="SpoqaHanSans-Regular" panose="020B0500000000000000" pitchFamily="50" charset="-127"/>
+              <a:ea typeface="SpoqaHanSans-Regular" panose="020B0500000000000000" pitchFamily="50" charset="-127"/>
+            </a:endParaRPr>
+          </a:p>
+          <a:p>
+            <a:endParaRPr lang="en-US" altLang="ko-KR" sz="2400" spc="-150" dirty="0" smtClean="0">
               <a:ln>
                 <a:solidFill>
                   <a:schemeClr val="accent1">
@@ -4811,21 +6175,39 @@
               <a:ea typeface="Yoon 윤고딕 530_TT" panose="02090603020101020101" pitchFamily="18" charset="-127"/>
             </a:endParaRPr>
           </a:p>
-          <a:p>
-            <a:endParaRPr lang="en-US" altLang="ko-KR" sz="2400" spc="-150" dirty="0" smtClean="0">
-              <a:ln>
-                <a:solidFill>
-                  <a:schemeClr val="accent1">
-                    <a:alpha val="0"/>
-                  </a:schemeClr>
-                </a:solidFill>
-              </a:ln>
-              <a:solidFill>
-                <a:schemeClr val="accent2"/>
-              </a:solidFill>
-              <a:latin typeface="Yoon 윤고딕 530_TT" panose="02090603020101020101" pitchFamily="18" charset="-127"/>
-              <a:ea typeface="Yoon 윤고딕 530_TT" panose="02090603020101020101" pitchFamily="18" charset="-127"/>
-            </a:endParaRPr>
+        </p:txBody>
+      </p:sp>
+      <p:sp>
+        <p:nvSpPr>
+          <p:cNvPr id="4" name="TextBox 3"/>
+          <p:cNvSpPr txBox="1"/>
+          <p:nvPr/>
+        </p:nvSpPr>
+        <p:spPr>
+          <a:xfrm>
+            <a:off x="2863851" y="5877272"/>
+            <a:ext cx="3014864" cy="276999"/>
+          </a:xfrm>
+          <a:prstGeom prst="rect">
+            <a:avLst/>
+          </a:prstGeom>
+          <a:noFill/>
+        </p:spPr>
+        <p:txBody>
+          <a:bodyPr wrap="none" rtlCol="0">
+            <a:spAutoFit/>
+          </a:bodyPr>
+          <a:lstStyle/>
+          <a:p>
+            <a:r>
+              <a:rPr lang="ko-KR" altLang="en-US" sz="1200" smtClean="0"/>
+              <a:t>이미지 출처 </a:t>
+            </a:r>
+            <a:r>
+              <a:rPr lang="en-US" altLang="ko-KR" sz="1200"/>
+              <a:t>: http://limkydev.tistory.com/48</a:t>
+            </a:r>
+            <a:endParaRPr lang="ko-KR" altLang="en-US" sz="1200"/>
           </a:p>
         </p:txBody>
       </p:sp>
@@ -4851,8 +6233,8 @@
         </p:blipFill>
         <p:spPr>
           <a:xfrm>
-            <a:off x="2711624" y="1844824"/>
-            <a:ext cx="5989149" cy="2979802"/>
+            <a:off x="2819636" y="1556792"/>
+            <a:ext cx="6150368" cy="3852428"/>
           </a:xfrm>
           <a:prstGeom prst="rect">
             <a:avLst/>
@@ -4862,7 +6244,7 @@
     </p:spTree>
     <p:extLst>
       <p:ext uri="{BB962C8B-B14F-4D97-AF65-F5344CB8AC3E}">
-        <p14:creationId xmlns:p14="http://schemas.microsoft.com/office/powerpoint/2010/main" val="4031700392"/>
+        <p14:creationId xmlns:p14="http://schemas.microsoft.com/office/powerpoint/2010/main" val="736224915"/>
       </p:ext>
     </p:extLst>
   </p:cSld>
@@ -4969,6 +6351,23 @@
           <a:lstStyle/>
           <a:p>
             <a:r>
+              <a:rPr lang="en-US" altLang="ko-KR" sz="2800" smtClean="0">
+                <a:ln>
+                  <a:solidFill>
+                    <a:schemeClr val="accent1">
+                      <a:alpha val="0"/>
+                    </a:schemeClr>
+                  </a:solidFill>
+                </a:ln>
+                <a:solidFill>
+                  <a:schemeClr val="accent2"/>
+                </a:solidFill>
+                <a:latin typeface="SpoqaHanSans-Regular" panose="020B0500000000000000" pitchFamily="50" charset="-127"/>
+                <a:ea typeface="SpoqaHanSans-Regular" panose="020B0500000000000000" pitchFamily="50" charset="-127"/>
+              </a:rPr>
+              <a:t>Thread </a:t>
+            </a:r>
+            <a:r>
               <a:rPr lang="ko-KR" altLang="en-US" sz="2800" smtClean="0">
                 <a:ln>
                   <a:solidFill>
@@ -4980,10 +6379,10 @@
                 <a:solidFill>
                   <a:schemeClr val="accent2"/>
                 </a:solidFill>
-                <a:latin typeface="Yoon 윤고딕 530_TT" panose="02090603020101020101" pitchFamily="18" charset="-127"/>
-                <a:ea typeface="Yoon 윤고딕 530_TT" panose="02090603020101020101" pitchFamily="18" charset="-127"/>
-              </a:rPr>
-              <a:t>추천 학습 내용</a:t>
+                <a:latin typeface="SpoqaHanSans-Regular" panose="020B0500000000000000" pitchFamily="50" charset="-127"/>
+                <a:ea typeface="SpoqaHanSans-Regular" panose="020B0500000000000000" pitchFamily="50" charset="-127"/>
+              </a:rPr>
+              <a:t>및 </a:t>
             </a:r>
             <a:r>
               <a:rPr lang="en-US" altLang="ko-KR" sz="2800" smtClean="0">
@@ -4997,12 +6396,45 @@
                 <a:solidFill>
                   <a:schemeClr val="accent2"/>
                 </a:solidFill>
-                <a:latin typeface="Yoon 윤고딕 530_TT" panose="02090603020101020101" pitchFamily="18" charset="-127"/>
-                <a:ea typeface="Yoon 윤고딕 530_TT" panose="02090603020101020101" pitchFamily="18" charset="-127"/>
-              </a:rPr>
-              <a:t>(2)</a:t>
+                <a:latin typeface="SpoqaHanSans-Regular" panose="020B0500000000000000" pitchFamily="50" charset="-127"/>
+                <a:ea typeface="SpoqaHanSans-Regular" panose="020B0500000000000000" pitchFamily="50" charset="-127"/>
+              </a:rPr>
+              <a:t>Process </a:t>
+            </a:r>
+            <a:r>
+              <a:rPr lang="ko-KR" altLang="en-US" sz="2800" smtClean="0">
+                <a:ln>
+                  <a:solidFill>
+                    <a:schemeClr val="accent1">
+                      <a:alpha val="0"/>
+                    </a:schemeClr>
+                  </a:solidFill>
+                </a:ln>
+                <a:solidFill>
+                  <a:schemeClr val="accent2"/>
+                </a:solidFill>
+                <a:latin typeface="SpoqaHanSans-Regular" panose="020B0500000000000000" pitchFamily="50" charset="-127"/>
+                <a:ea typeface="SpoqaHanSans-Regular" panose="020B0500000000000000" pitchFamily="50" charset="-127"/>
+              </a:rPr>
+              <a:t>개요</a:t>
             </a:r>
             <a:endParaRPr lang="en-US" altLang="ko-KR" sz="2800" smtClean="0">
+              <a:ln>
+                <a:solidFill>
+                  <a:schemeClr val="accent1">
+                    <a:alpha val="0"/>
+                  </a:schemeClr>
+                </a:solidFill>
+              </a:ln>
+              <a:solidFill>
+                <a:schemeClr val="accent2"/>
+              </a:solidFill>
+              <a:latin typeface="SpoqaHanSans-Regular" panose="020B0500000000000000" pitchFamily="50" charset="-127"/>
+              <a:ea typeface="SpoqaHanSans-Regular" panose="020B0500000000000000" pitchFamily="50" charset="-127"/>
+            </a:endParaRPr>
+          </a:p>
+          <a:p>
+            <a:endParaRPr lang="en-US" altLang="ko-KR" sz="2400" spc="-150" dirty="0" smtClean="0">
               <a:ln>
                 <a:solidFill>
                   <a:schemeClr val="accent1">
@@ -5017,27 +6449,11 @@
               <a:ea typeface="Yoon 윤고딕 530_TT" panose="02090603020101020101" pitchFamily="18" charset="-127"/>
             </a:endParaRPr>
           </a:p>
-          <a:p>
-            <a:endParaRPr lang="en-US" altLang="ko-KR" sz="2400" spc="-150" dirty="0" smtClean="0">
-              <a:ln>
-                <a:solidFill>
-                  <a:schemeClr val="accent1">
-                    <a:alpha val="0"/>
-                  </a:schemeClr>
-                </a:solidFill>
-              </a:ln>
-              <a:solidFill>
-                <a:schemeClr val="accent2"/>
-              </a:solidFill>
-              <a:latin typeface="Yoon 윤고딕 530_TT" panose="02090603020101020101" pitchFamily="18" charset="-127"/>
-              <a:ea typeface="Yoon 윤고딕 530_TT" panose="02090603020101020101" pitchFamily="18" charset="-127"/>
-            </a:endParaRPr>
-          </a:p>
         </p:txBody>
       </p:sp>
       <p:pic>
         <p:nvPicPr>
-          <p:cNvPr id="2" name="그림 1"/>
+          <p:cNvPr id="3" name="그림 2"/>
           <p:cNvPicPr>
             <a:picLocks noChangeAspect="1"/>
           </p:cNvPicPr>
@@ -5057,18 +6473,56 @@
         </p:blipFill>
         <p:spPr>
           <a:xfrm>
-            <a:off x="3058270" y="1844824"/>
-            <a:ext cx="5295856" cy="2979802"/>
+            <a:off x="2958857" y="1926143"/>
+            <a:ext cx="6274286" cy="3005714"/>
           </a:xfrm>
           <a:prstGeom prst="rect">
             <a:avLst/>
           </a:prstGeom>
         </p:spPr>
       </p:pic>
+      <p:sp>
+        <p:nvSpPr>
+          <p:cNvPr id="4" name="TextBox 3"/>
+          <p:cNvSpPr txBox="1"/>
+          <p:nvPr/>
+        </p:nvSpPr>
+        <p:spPr>
+          <a:xfrm>
+            <a:off x="2863851" y="5877272"/>
+            <a:ext cx="4384277" cy="276999"/>
+          </a:xfrm>
+          <a:prstGeom prst="rect">
+            <a:avLst/>
+          </a:prstGeom>
+          <a:noFill/>
+        </p:spPr>
+        <p:txBody>
+          <a:bodyPr wrap="none" rtlCol="0">
+            <a:spAutoFit/>
+          </a:bodyPr>
+          <a:lstStyle/>
+          <a:p>
+            <a:r>
+              <a:rPr lang="ko-KR" altLang="en-US" sz="1200" smtClean="0"/>
+              <a:t>이미지 출처 </a:t>
+            </a:r>
+            <a:r>
+              <a:rPr lang="en-US" altLang="ko-KR" sz="1200" smtClean="0"/>
+              <a:t>: http</a:t>
+            </a:r>
+            <a:r>
+              <a:rPr lang="en-US" altLang="ko-KR" sz="1200"/>
+              <a:t>://iblog.or.kr/hungi/it/software/programing/737</a:t>
+            </a:r>
+            <a:endParaRPr lang="ko-KR" altLang="en-US" sz="1200"/>
+          </a:p>
+        </p:txBody>
+      </p:sp>
     </p:spTree>
     <p:extLst>
       <p:ext uri="{BB962C8B-B14F-4D97-AF65-F5344CB8AC3E}">
-        <p14:creationId xmlns:p14="http://schemas.microsoft.com/office/powerpoint/2010/main" val="3783704309"/>
+        <p14:creationId xmlns:p14="http://schemas.microsoft.com/office/powerpoint/2010/main" val="459072213"/>
       </p:ext>
     </p:extLst>
   </p:cSld>
@@ -5146,7 +6600,7 @@
             </a:r>
             <a:r>
               <a:rPr lang="en-US" altLang="ko-KR" sz="1000" smtClean="0"/>
-              <a:t>6-5</a:t>
+              <a:t>6-6</a:t>
             </a:r>
             <a:endParaRPr lang="ko-KR" altLang="en-US" sz="1000" dirty="0"/>
           </a:p>
@@ -5160,8 +6614,8 @@
         </p:nvSpPr>
         <p:spPr>
           <a:xfrm>
-            <a:off x="2711624" y="720569"/>
-            <a:ext cx="8640960" cy="800219"/>
+            <a:off x="2711624" y="548680"/>
+            <a:ext cx="8640960" cy="1169551"/>
           </a:xfrm>
           <a:prstGeom prst="rect">
             <a:avLst/>
@@ -5175,6 +6629,91 @@
           <a:lstStyle/>
           <a:p>
             <a:r>
+              <a:rPr lang="en-US" altLang="ko-KR" sz="2800" smtClean="0">
+                <a:ln>
+                  <a:solidFill>
+                    <a:schemeClr val="accent1">
+                      <a:alpha val="0"/>
+                    </a:schemeClr>
+                  </a:solidFill>
+                </a:ln>
+                <a:solidFill>
+                  <a:schemeClr val="accent2"/>
+                </a:solidFill>
+                <a:latin typeface="Yoon 윤고딕 530_TT" panose="02090603020101020101" pitchFamily="18" charset="-127"/>
+                <a:ea typeface="Yoon 윤고딕 530_TT" panose="02090603020101020101" pitchFamily="18" charset="-127"/>
+              </a:rPr>
+              <a:t>GUI </a:t>
+            </a:r>
+            <a:r>
+              <a:rPr lang="ko-KR" altLang="en-US" sz="2800">
+                <a:ln>
+                  <a:solidFill>
+                    <a:schemeClr val="accent1">
+                      <a:alpha val="0"/>
+                    </a:schemeClr>
+                  </a:solidFill>
+                </a:ln>
+                <a:solidFill>
+                  <a:schemeClr val="accent2"/>
+                </a:solidFill>
+                <a:latin typeface="Yoon 윤고딕 530_TT" panose="02090603020101020101" pitchFamily="18" charset="-127"/>
+                <a:ea typeface="Yoon 윤고딕 530_TT" panose="02090603020101020101" pitchFamily="18" charset="-127"/>
+              </a:rPr>
+              <a:t>기반 </a:t>
+            </a:r>
+            <a:r>
+              <a:rPr lang="en-US" altLang="ko-KR" sz="2800">
+                <a:ln>
+                  <a:solidFill>
+                    <a:schemeClr val="accent1">
+                      <a:alpha val="0"/>
+                    </a:schemeClr>
+                  </a:solidFill>
+                </a:ln>
+                <a:solidFill>
+                  <a:schemeClr val="accent2"/>
+                </a:solidFill>
+                <a:latin typeface="Yoon 윤고딕 530_TT" panose="02090603020101020101" pitchFamily="18" charset="-127"/>
+                <a:ea typeface="Yoon 윤고딕 530_TT" panose="02090603020101020101" pitchFamily="18" charset="-127"/>
+              </a:rPr>
+              <a:t>Youtube </a:t>
+            </a:r>
+            <a:r>
+              <a:rPr lang="ko-KR" altLang="en-US" sz="2800">
+                <a:ln>
+                  <a:solidFill>
+                    <a:schemeClr val="accent1">
+                      <a:alpha val="0"/>
+                    </a:schemeClr>
+                  </a:solidFill>
+                </a:ln>
+                <a:solidFill>
+                  <a:schemeClr val="accent2"/>
+                </a:solidFill>
+                <a:latin typeface="Yoon 윤고딕 530_TT" panose="02090603020101020101" pitchFamily="18" charset="-127"/>
+                <a:ea typeface="Yoon 윤고딕 530_TT" panose="02090603020101020101" pitchFamily="18" charset="-127"/>
+              </a:rPr>
+              <a:t>멀티플레이어 작성</a:t>
+            </a:r>
+            <a:r>
+              <a:rPr lang="en-US" altLang="ko-KR" sz="2800" smtClean="0">
+                <a:ln>
+                  <a:solidFill>
+                    <a:schemeClr val="accent1">
+                      <a:alpha val="0"/>
+                    </a:schemeClr>
+                  </a:solidFill>
+                </a:ln>
+                <a:solidFill>
+                  <a:schemeClr val="accent2"/>
+                </a:solidFill>
+                <a:latin typeface="Yoon 윤고딕 530_TT" panose="02090603020101020101" pitchFamily="18" charset="-127"/>
+                <a:ea typeface="Yoon 윤고딕 530_TT" panose="02090603020101020101" pitchFamily="18" charset="-127"/>
+              </a:rPr>
+              <a:t>(5) – </a:t>
+            </a:r>
+            <a:r>
               <a:rPr lang="ko-KR" altLang="en-US" sz="2800" smtClean="0">
                 <a:ln>
                   <a:solidFill>
@@ -5189,7 +6728,7 @@
                 <a:latin typeface="Yoon 윤고딕 530_TT" panose="02090603020101020101" pitchFamily="18" charset="-127"/>
                 <a:ea typeface="Yoon 윤고딕 530_TT" panose="02090603020101020101" pitchFamily="18" charset="-127"/>
               </a:rPr>
-              <a:t>추천 학습 내용</a:t>
+              <a:t>완성</a:t>
             </a:r>
             <a:r>
               <a:rPr lang="en-US" altLang="ko-KR" sz="2800" smtClean="0">
@@ -5206,9 +6745,25 @@
                 <a:latin typeface="Yoon 윤고딕 530_TT" panose="02090603020101020101" pitchFamily="18" charset="-127"/>
                 <a:ea typeface="Yoon 윤고딕 530_TT" panose="02090603020101020101" pitchFamily="18" charset="-127"/>
               </a:rPr>
-              <a:t>(3)</a:t>
-            </a:r>
-            <a:endParaRPr lang="en-US" altLang="ko-KR" sz="2800" smtClean="0">
+              <a:t/>
+            </a:r>
+            <a:br>
+              <a:rPr lang="en-US" altLang="ko-KR" sz="2800" smtClean="0">
+                <a:ln>
+                  <a:solidFill>
+                    <a:schemeClr val="accent1">
+                      <a:alpha val="0"/>
+                    </a:schemeClr>
+                  </a:solidFill>
+                </a:ln>
+                <a:solidFill>
+                  <a:schemeClr val="accent2"/>
+                </a:solidFill>
+                <a:latin typeface="Yoon 윤고딕 530_TT" panose="02090603020101020101" pitchFamily="18" charset="-127"/>
+                <a:ea typeface="Yoon 윤고딕 530_TT" panose="02090603020101020101" pitchFamily="18" charset="-127"/>
+              </a:rPr>
+            </a:br>
+            <a:endParaRPr lang="en-US" altLang="ko-KR" sz="2400" spc="-150" dirty="0" smtClean="0">
               <a:ln>
                 <a:solidFill>
                   <a:schemeClr val="accent1">
@@ -5224,7 +6779,41 @@
             </a:endParaRPr>
           </a:p>
           <a:p>
-            <a:endParaRPr lang="en-US" altLang="ko-KR" sz="2400" spc="-150" dirty="0" smtClean="0">
+            <a:r>
+              <a:rPr lang="ko-KR" altLang="en-US" sz="2400" spc="-150" dirty="0" smtClean="0">
+                <a:ln>
+                  <a:solidFill>
+                    <a:schemeClr val="accent1">
+                      <a:alpha val="0"/>
+                    </a:schemeClr>
+                  </a:solidFill>
+                </a:ln>
+                <a:solidFill>
+                  <a:srgbClr val="C00000"/>
+                </a:solidFill>
+                <a:latin typeface="Yoon 윤고딕 530_TT" panose="02090603020101020101" pitchFamily="18" charset="-127"/>
+                <a:ea typeface="Yoon 윤고딕 530_TT" panose="02090603020101020101" pitchFamily="18" charset="-127"/>
+              </a:rPr>
+              <a:t>오늘 </a:t>
+            </a:r>
+            <a:r>
+              <a:rPr lang="ko-KR" altLang="en-US" sz="2400" spc="-150" smtClean="0">
+                <a:ln>
+                  <a:solidFill>
+                    <a:schemeClr val="accent1">
+                      <a:alpha val="0"/>
+                    </a:schemeClr>
+                  </a:solidFill>
+                </a:ln>
+                <a:solidFill>
+                  <a:srgbClr val="C00000"/>
+                </a:solidFill>
+                <a:latin typeface="Yoon 윤고딕 530_TT" panose="02090603020101020101" pitchFamily="18" charset="-127"/>
+                <a:ea typeface="Yoon 윤고딕 530_TT" panose="02090603020101020101" pitchFamily="18" charset="-127"/>
+              </a:rPr>
+              <a:t>내용 정리</a:t>
+            </a:r>
+            <a:endParaRPr lang="ko-KR" altLang="en-US" sz="2400" dirty="0">
               <a:ln>
                 <a:solidFill>
                   <a:schemeClr val="accent1">
@@ -5233,7 +6822,7 @@
                 </a:solidFill>
               </a:ln>
               <a:solidFill>
-                <a:schemeClr val="accent2"/>
+                <a:srgbClr val="C00000"/>
               </a:solidFill>
               <a:latin typeface="Yoon 윤고딕 530_TT" panose="02090603020101020101" pitchFamily="18" charset="-127"/>
               <a:ea typeface="Yoon 윤고딕 530_TT" panose="02090603020101020101" pitchFamily="18" charset="-127"/>
@@ -5241,40 +6830,396 @@
           </a:p>
         </p:txBody>
       </p:sp>
-      <p:pic>
-        <p:nvPicPr>
-          <p:cNvPr id="2" name="그림 1"/>
-          <p:cNvPicPr>
-            <a:picLocks noChangeAspect="1"/>
-          </p:cNvPicPr>
+      <p:sp>
+        <p:nvSpPr>
+          <p:cNvPr id="5" name="TextBox 4"/>
+          <p:cNvSpPr txBox="1"/>
           <p:nvPr/>
-        </p:nvPicPr>
-        <p:blipFill>
-          <a:blip r:embed="rId2" cstate="print">
-            <a:extLst>
-              <a:ext uri="{28A0092B-C50C-407E-A947-70E740481C1C}">
-                <a14:useLocalDpi xmlns:a14="http://schemas.microsoft.com/office/drawing/2010/main" val="0"/>
-              </a:ext>
-            </a:extLst>
-          </a:blip>
-          <a:stretch>
-            <a:fillRect/>
-          </a:stretch>
-        </p:blipFill>
+        </p:nvSpPr>
         <p:spPr>
           <a:xfrm>
-            <a:off x="3058270" y="1948799"/>
-            <a:ext cx="5295856" cy="2771851"/>
+            <a:off x="2711624" y="1844824"/>
+            <a:ext cx="8712968" cy="3370153"/>
           </a:xfrm>
           <a:prstGeom prst="rect">
             <a:avLst/>
           </a:prstGeom>
+          <a:noFill/>
         </p:spPr>
-      </p:pic>
+        <p:txBody>
+          <a:bodyPr wrap="square" rtlCol="0">
+            <a:spAutoFit/>
+          </a:bodyPr>
+          <a:lstStyle/>
+          <a:p>
+            <a:pPr>
+              <a:lnSpc>
+                <a:spcPct val="150000"/>
+              </a:lnSpc>
+            </a:pPr>
+            <a:endParaRPr lang="en-US" altLang="ko-KR" sz="2000" smtClean="0">
+              <a:solidFill>
+                <a:schemeClr val="accent3">
+                  <a:lumMod val="50000"/>
+                </a:schemeClr>
+              </a:solidFill>
+              <a:latin typeface="+mj-ea"/>
+              <a:ea typeface="+mj-ea"/>
+            </a:endParaRPr>
+          </a:p>
+          <a:p>
+            <a:pPr>
+              <a:lnSpc>
+                <a:spcPct val="150000"/>
+              </a:lnSpc>
+            </a:pPr>
+            <a:r>
+              <a:rPr lang="ko-KR" altLang="en-US" smtClean="0">
+                <a:solidFill>
+                  <a:schemeClr val="accent3">
+                    <a:lumMod val="50000"/>
+                  </a:schemeClr>
+                </a:solidFill>
+                <a:latin typeface="+mj-ea"/>
+              </a:rPr>
+              <a:t>실전</a:t>
+            </a:r>
+            <a:r>
+              <a:rPr lang="en-US" altLang="ko-KR">
+                <a:solidFill>
+                  <a:schemeClr val="accent3">
+                    <a:lumMod val="50000"/>
+                  </a:schemeClr>
+                </a:solidFill>
+                <a:latin typeface="+mj-ea"/>
+              </a:rPr>
+              <a:t>! </a:t>
+            </a:r>
+            <a:r>
+              <a:rPr lang="ko-KR" altLang="en-US">
+                <a:solidFill>
+                  <a:schemeClr val="accent3">
+                    <a:lumMod val="50000"/>
+                  </a:schemeClr>
+                </a:solidFill>
+                <a:latin typeface="+mj-ea"/>
+              </a:rPr>
+              <a:t>어플리케이션 작성</a:t>
+            </a:r>
+            <a:r>
+              <a:rPr lang="en-US" altLang="ko-KR" smtClean="0">
+                <a:solidFill>
+                  <a:schemeClr val="accent3">
+                    <a:lumMod val="50000"/>
+                  </a:schemeClr>
+                </a:solidFill>
+                <a:latin typeface="+mj-ea"/>
+              </a:rPr>
+              <a:t>(5)</a:t>
+            </a:r>
+            <a:r>
+              <a:rPr lang="ko-KR" altLang="en-US" smtClean="0">
+                <a:solidFill>
+                  <a:schemeClr val="accent3">
+                    <a:lumMod val="50000"/>
+                  </a:schemeClr>
+                </a:solidFill>
+                <a:latin typeface="+mj-ea"/>
+              </a:rPr>
+              <a:t> </a:t>
+            </a:r>
+            <a:r>
+              <a:rPr lang="en-US" altLang="ko-KR">
+                <a:solidFill>
+                  <a:schemeClr val="accent3">
+                    <a:lumMod val="50000"/>
+                  </a:schemeClr>
+                </a:solidFill>
+                <a:latin typeface="+mj-ea"/>
+              </a:rPr>
+              <a:t>: </a:t>
+            </a:r>
+            <a:r>
+              <a:rPr lang="en-US" altLang="ko-KR" smtClean="0">
+                <a:solidFill>
+                  <a:schemeClr val="accent3">
+                    <a:lumMod val="50000"/>
+                  </a:schemeClr>
+                </a:solidFill>
+                <a:latin typeface="+mj-ea"/>
+              </a:rPr>
+              <a:t>PyQT5 - QThread</a:t>
+            </a:r>
+            <a:r>
+              <a:rPr lang="ko-KR" altLang="en-US" smtClean="0">
+                <a:solidFill>
+                  <a:schemeClr val="accent3">
+                    <a:lumMod val="50000"/>
+                  </a:schemeClr>
+                </a:solidFill>
+                <a:latin typeface="+mj-ea"/>
+              </a:rPr>
+              <a:t> </a:t>
+            </a:r>
+            <a:r>
+              <a:rPr lang="ko-KR" altLang="en-US" smtClean="0">
+                <a:solidFill>
+                  <a:schemeClr val="accent3">
+                    <a:lumMod val="50000"/>
+                  </a:schemeClr>
+                </a:solidFill>
+                <a:latin typeface="+mj-ea"/>
+              </a:rPr>
+              <a:t>활용 </a:t>
+            </a:r>
+            <a:r>
+              <a:rPr lang="ko-KR" altLang="en-US" smtClean="0">
+                <a:solidFill>
+                  <a:schemeClr val="accent3">
+                    <a:lumMod val="50000"/>
+                  </a:schemeClr>
+                </a:solidFill>
+                <a:latin typeface="+mj-ea"/>
+              </a:rPr>
+              <a:t>초기 </a:t>
+            </a:r>
+            <a:r>
+              <a:rPr lang="en-US" altLang="ko-KR" smtClean="0">
+                <a:solidFill>
+                  <a:schemeClr val="accent3">
+                    <a:lumMod val="50000"/>
+                  </a:schemeClr>
+                </a:solidFill>
+                <a:latin typeface="+mj-ea"/>
+              </a:rPr>
+              <a:t>BGM </a:t>
+            </a:r>
+            <a:r>
+              <a:rPr lang="ko-KR" altLang="en-US" smtClean="0">
+                <a:solidFill>
+                  <a:schemeClr val="accent3">
+                    <a:lumMod val="50000"/>
+                  </a:schemeClr>
+                </a:solidFill>
+                <a:latin typeface="+mj-ea"/>
+              </a:rPr>
+              <a:t>인트로 작성</a:t>
+            </a:r>
+            <a:r>
+              <a:rPr lang="en-US" altLang="ko-KR" sz="1600" smtClean="0">
+                <a:solidFill>
+                  <a:schemeClr val="accent3">
+                    <a:lumMod val="50000"/>
+                  </a:schemeClr>
+                </a:solidFill>
+                <a:latin typeface="+mj-ea"/>
+              </a:rPr>
+              <a:t/>
+            </a:r>
+            <a:br>
+              <a:rPr lang="en-US" altLang="ko-KR" sz="1600" smtClean="0">
+                <a:solidFill>
+                  <a:schemeClr val="accent3">
+                    <a:lumMod val="50000"/>
+                  </a:schemeClr>
+                </a:solidFill>
+                <a:latin typeface="+mj-ea"/>
+              </a:rPr>
+            </a:br>
+            <a:endParaRPr lang="en-US" altLang="ko-KR" sz="1600" smtClean="0">
+              <a:solidFill>
+                <a:schemeClr val="accent3">
+                  <a:lumMod val="50000"/>
+                </a:schemeClr>
+              </a:solidFill>
+              <a:latin typeface="+mj-ea"/>
+            </a:endParaRPr>
+          </a:p>
+          <a:p>
+            <a:pPr>
+              <a:lnSpc>
+                <a:spcPct val="150000"/>
+              </a:lnSpc>
+            </a:pPr>
+            <a:r>
+              <a:rPr lang="en-US" altLang="ko-KR" sz="2000" smtClean="0">
+                <a:solidFill>
+                  <a:schemeClr val="accent3">
+                    <a:lumMod val="50000"/>
+                  </a:schemeClr>
+                </a:solidFill>
+                <a:latin typeface="+mj-ea"/>
+              </a:rPr>
+              <a:t>QT QThread </a:t>
+            </a:r>
+            <a:r>
+              <a:rPr lang="en-US" altLang="ko-KR" sz="2000">
+                <a:solidFill>
+                  <a:schemeClr val="accent3">
+                    <a:lumMod val="50000"/>
+                  </a:schemeClr>
+                </a:solidFill>
+                <a:latin typeface="+mj-ea"/>
+              </a:rPr>
+              <a:t>: </a:t>
+            </a:r>
+            <a:r>
+              <a:rPr lang="en-US" altLang="ko-KR" sz="2000">
+                <a:solidFill>
+                  <a:schemeClr val="accent3">
+                    <a:lumMod val="50000"/>
+                  </a:schemeClr>
+                </a:solidFill>
+                <a:latin typeface="+mj-ea"/>
+                <a:hlinkClick r:id="rId2"/>
+              </a:rPr>
+              <a:t>http://</a:t>
+            </a:r>
+            <a:r>
+              <a:rPr lang="en-US" altLang="ko-KR" sz="2000" smtClean="0">
+                <a:solidFill>
+                  <a:schemeClr val="accent3">
+                    <a:lumMod val="50000"/>
+                  </a:schemeClr>
+                </a:solidFill>
+                <a:latin typeface="+mj-ea"/>
+                <a:hlinkClick r:id="rId2"/>
+              </a:rPr>
+              <a:t>doc.qt.io/qt-5/qthread.html</a:t>
+            </a:r>
+            <a:r>
+              <a:rPr lang="en-US" altLang="ko-KR" sz="2000" smtClean="0">
+                <a:solidFill>
+                  <a:schemeClr val="accent3">
+                    <a:lumMod val="50000"/>
+                  </a:schemeClr>
+                </a:solidFill>
+                <a:latin typeface="+mj-ea"/>
+              </a:rPr>
+              <a:t/>
+            </a:r>
+            <a:br>
+              <a:rPr lang="en-US" altLang="ko-KR" sz="2000" smtClean="0">
+                <a:solidFill>
+                  <a:schemeClr val="accent3">
+                    <a:lumMod val="50000"/>
+                  </a:schemeClr>
+                </a:solidFill>
+                <a:latin typeface="+mj-ea"/>
+              </a:rPr>
+            </a:br>
+            <a:r>
+              <a:rPr lang="en-US" altLang="ko-KR" sz="2000" smtClean="0">
+                <a:solidFill>
+                  <a:schemeClr val="accent3">
+                    <a:lumMod val="50000"/>
+                  </a:schemeClr>
+                </a:solidFill>
+                <a:latin typeface="+mj-ea"/>
+              </a:rPr>
+              <a:t>Qt </a:t>
+            </a:r>
+            <a:r>
+              <a:rPr lang="en-US" altLang="ko-KR" sz="2000">
+                <a:solidFill>
+                  <a:schemeClr val="accent3">
+                    <a:lumMod val="50000"/>
+                  </a:schemeClr>
+                </a:solidFill>
+                <a:latin typeface="+mj-ea"/>
+              </a:rPr>
+              <a:t>Designer : http://doc.qt.io/qt-5/qtdesigner-manual.html</a:t>
+            </a:r>
+          </a:p>
+          <a:p>
+            <a:pPr>
+              <a:lnSpc>
+                <a:spcPct val="150000"/>
+              </a:lnSpc>
+            </a:pPr>
+            <a:r>
+              <a:rPr lang="ko-KR" altLang="en-US" sz="2000" smtClean="0">
+                <a:solidFill>
+                  <a:schemeClr val="accent3">
+                    <a:lumMod val="50000"/>
+                  </a:schemeClr>
+                </a:solidFill>
+                <a:latin typeface="+mj-ea"/>
+              </a:rPr>
+              <a:t>수업 </a:t>
+            </a:r>
+            <a:r>
+              <a:rPr lang="ko-KR" altLang="en-US" sz="2000">
+                <a:solidFill>
+                  <a:schemeClr val="accent3">
+                    <a:lumMod val="50000"/>
+                  </a:schemeClr>
+                </a:solidFill>
+                <a:latin typeface="+mj-ea"/>
+              </a:rPr>
+              <a:t>소스 파일 </a:t>
+            </a:r>
+            <a:r>
+              <a:rPr lang="en-US" altLang="ko-KR" sz="2000">
+                <a:solidFill>
+                  <a:schemeClr val="accent3">
+                    <a:lumMod val="50000"/>
+                  </a:schemeClr>
+                </a:solidFill>
+                <a:latin typeface="+mj-ea"/>
+              </a:rPr>
+              <a:t>: https://</a:t>
+            </a:r>
+            <a:r>
+              <a:rPr lang="en-US" altLang="ko-KR" sz="2000" smtClean="0">
+                <a:solidFill>
+                  <a:schemeClr val="accent3">
+                    <a:lumMod val="50000"/>
+                  </a:schemeClr>
+                </a:solidFill>
+                <a:latin typeface="+mj-ea"/>
+              </a:rPr>
+              <a:t>github.com/eunki7/python_create_app_1</a:t>
+            </a:r>
+            <a:r>
+              <a:rPr lang="en-US" altLang="ko-KR" sz="2000" smtClean="0">
+                <a:solidFill>
+                  <a:schemeClr val="accent3">
+                    <a:lumMod val="50000"/>
+                  </a:schemeClr>
+                </a:solidFill>
+                <a:latin typeface="+mj-ea"/>
+                <a:ea typeface="+mj-ea"/>
+              </a:rPr>
+              <a:t/>
+            </a:r>
+            <a:br>
+              <a:rPr lang="en-US" altLang="ko-KR" sz="2000" smtClean="0">
+                <a:solidFill>
+                  <a:schemeClr val="accent3">
+                    <a:lumMod val="50000"/>
+                  </a:schemeClr>
+                </a:solidFill>
+                <a:latin typeface="+mj-ea"/>
+                <a:ea typeface="+mj-ea"/>
+              </a:rPr>
+            </a:br>
+            <a:endParaRPr lang="en-US" altLang="ko-KR" sz="2800" dirty="0" smtClean="0">
+              <a:solidFill>
+                <a:schemeClr val="accent3">
+                  <a:lumMod val="50000"/>
+                </a:schemeClr>
+              </a:solidFill>
+              <a:latin typeface="+mj-ea"/>
+              <a:ea typeface="+mj-ea"/>
+            </a:endParaRPr>
+          </a:p>
+        </p:txBody>
+      </p:sp>
     </p:spTree>
     <p:extLst>
       <p:ext uri="{BB962C8B-B14F-4D97-AF65-F5344CB8AC3E}">
-        <p14:creationId xmlns:p14="http://schemas.microsoft.com/office/powerpoint/2010/main" val="2575398215"/>
+        <p14:creationId xmlns:p14="http://schemas.microsoft.com/office/powerpoint/2010/main" val="28506558"/>
       </p:ext>
     </p:extLst>
   </p:cSld>
